--- a/University Admit Eligibility Predictor literacy survey.pptx
+++ b/University Admit Eligibility Predictor literacy survey.pptx
@@ -13,11 +13,9 @@
     <p:sldId id="261" r:id="rId7"/>
     <p:sldId id="262" r:id="rId8"/>
     <p:sldId id="263" r:id="rId9"/>
-    <p:sldId id="264" r:id="rId10"/>
-    <p:sldId id="265" r:id="rId11"/>
-    <p:sldId id="266" r:id="rId12"/>
-    <p:sldId id="267" r:id="rId13"/>
-    <p:sldId id="268" r:id="rId14"/>
+    <p:sldId id="265" r:id="rId10"/>
+    <p:sldId id="266" r:id="rId11"/>
+    <p:sldId id="267" r:id="rId12"/>
   </p:sldIdLst>
   <p:sldSz cx="9144000" cy="5143500" type="screen16x9"/>
   <p:notesSz cx="9144000" cy="5143500"/>
@@ -118,7 +116,7 @@
   </p:defaultTextStyle>
   <p:extLst>
     <p:ext uri="{EFAFB233-063F-42B5-8137-9DF3F51BA10A}">
-      <p15:sldGuideLst xmlns:p15="http://schemas.microsoft.com/office/powerpoint/2012/main" xmlns="">
+      <p15:sldGuideLst xmlns="" xmlns:p15="http://schemas.microsoft.com/office/powerpoint/2012/main">
         <p15:guide id="1" orient="horz" pos="2880">
           <p15:clr>
             <a:srgbClr val="A4A3A4"/>
@@ -3378,17 +3376,7 @@
                 <a:latin typeface="Arial MT"/>
                 <a:cs typeface="Arial MT"/>
               </a:rPr>
-              <a:t>Sa</a:t>
-            </a:r>
-            <a:r>
-              <a:rPr lang="en-US" sz="1950" dirty="0" err="1" smtClean="0">
-                <a:solidFill>
-                  <a:srgbClr val="595959"/>
-                </a:solidFill>
-                <a:latin typeface="Arial MT"/>
-                <a:cs typeface="Arial MT"/>
-              </a:rPr>
-              <a:t>rvan</a:t>
+              <a:t>Sarvan</a:t>
             </a:r>
             <a:r>
               <a:rPr lang="en-US" sz="1950" dirty="0" smtClean="0">
@@ -3445,17 +3433,7 @@
                 <a:latin typeface="Arial MT"/>
                 <a:cs typeface="Arial MT"/>
               </a:rPr>
-              <a:t>M</a:t>
-            </a:r>
-            <a:r>
-              <a:rPr lang="en-US" sz="1950" dirty="0" err="1" smtClean="0">
-                <a:solidFill>
-                  <a:srgbClr val="595959"/>
-                </a:solidFill>
-                <a:latin typeface="Arial MT"/>
-                <a:cs typeface="Arial MT"/>
-              </a:rPr>
-              <a:t>ukesh</a:t>
+              <a:t>Mukesh</a:t>
             </a:r>
             <a:r>
               <a:rPr lang="en-US" sz="1950" dirty="0" smtClean="0">
@@ -3513,1239 +3491,6 @@
 </file>
 
 <file path=ppt/slides/slide10.xml><?xml version="1.0" encoding="utf-8"?>
-<p:sld xmlns:a="http://schemas.openxmlformats.org/drawingml/2006/main" xmlns:r="http://schemas.openxmlformats.org/officeDocument/2006/relationships" xmlns:p="http://schemas.openxmlformats.org/presentationml/2006/main" showMasterSp="0">
-  <p:cSld>
-    <p:spTree>
-      <p:nvGrpSpPr>
-        <p:cNvPr id="1" name=""/>
-        <p:cNvGrpSpPr/>
-        <p:nvPr/>
-      </p:nvGrpSpPr>
-      <p:grpSpPr>
-        <a:xfrm>
-          <a:off x="0" y="0"/>
-          <a:ext cx="0" cy="0"/>
-          <a:chOff x="0" y="0"/>
-          <a:chExt cx="0" cy="0"/>
-        </a:xfrm>
-      </p:grpSpPr>
-      <p:sp>
-        <p:nvSpPr>
-          <p:cNvPr id="2" name="object 2"/>
-          <p:cNvSpPr txBox="1">
-            <a:spLocks noGrp="1"/>
-          </p:cNvSpPr>
-          <p:nvPr>
-            <p:ph type="title"/>
-          </p:nvPr>
-        </p:nvSpPr>
-        <p:spPr>
-          <a:xfrm>
-            <a:off x="838200" y="348398"/>
-            <a:ext cx="7543800" cy="723275"/>
-          </a:xfrm>
-          <a:prstGeom prst="rect">
-            <a:avLst/>
-          </a:prstGeom>
-        </p:spPr>
-        <p:txBody>
-          <a:bodyPr vert="horz" wrap="square" lIns="0" tIns="15240" rIns="0" bIns="0" rtlCol="0">
-            <a:spAutoFit/>
-          </a:bodyPr>
-          <a:lstStyle/>
-          <a:p>
-            <a:pPr marL="12700" algn="ctr">
-              <a:lnSpc>
-                <a:spcPct val="100000"/>
-              </a:lnSpc>
-              <a:spcBef>
-                <a:spcPts val="120"/>
-              </a:spcBef>
-            </a:pPr>
-            <a:r>
-              <a:rPr spc="-15" dirty="0"/>
-              <a:t>LITERATURE</a:t>
-            </a:r>
-            <a:r>
-              <a:rPr spc="-45" dirty="0"/>
-              <a:t> </a:t>
-            </a:r>
-            <a:r>
-              <a:rPr dirty="0"/>
-              <a:t>SURVEY</a:t>
-            </a:r>
-          </a:p>
-        </p:txBody>
-      </p:sp>
-      <p:sp>
-        <p:nvSpPr>
-          <p:cNvPr id="3" name="object 3"/>
-          <p:cNvSpPr txBox="1"/>
-          <p:nvPr/>
-        </p:nvSpPr>
-        <p:spPr>
-          <a:xfrm>
-            <a:off x="384725" y="950471"/>
-            <a:ext cx="8364855" cy="3719829"/>
-          </a:xfrm>
-          <a:prstGeom prst="rect">
-            <a:avLst/>
-          </a:prstGeom>
-        </p:spPr>
-        <p:txBody>
-          <a:bodyPr vert="horz" wrap="square" lIns="0" tIns="12700" rIns="0" bIns="0" rtlCol="0">
-            <a:spAutoFit/>
-          </a:bodyPr>
-          <a:lstStyle/>
-          <a:p>
-            <a:pPr marL="12700">
-              <a:lnSpc>
-                <a:spcPct val="100000"/>
-              </a:lnSpc>
-              <a:spcBef>
-                <a:spcPts val="100"/>
-              </a:spcBef>
-            </a:pPr>
-            <a:r>
-              <a:rPr sz="1300" spc="-5" dirty="0">
-                <a:latin typeface="Arial MT"/>
-                <a:cs typeface="Arial MT"/>
-              </a:rPr>
-              <a:t>Name:</a:t>
-            </a:r>
-            <a:r>
-              <a:rPr sz="1300" spc="-15" dirty="0">
-                <a:latin typeface="Arial MT"/>
-                <a:cs typeface="Arial MT"/>
-              </a:rPr>
-              <a:t> </a:t>
-            </a:r>
-            <a:r>
-              <a:rPr sz="1300" spc="-5" dirty="0">
-                <a:latin typeface="Arial MT"/>
-                <a:cs typeface="Arial MT"/>
-              </a:rPr>
-              <a:t>College</a:t>
-            </a:r>
-            <a:r>
-              <a:rPr sz="1300" spc="-80" dirty="0">
-                <a:latin typeface="Arial MT"/>
-                <a:cs typeface="Arial MT"/>
-              </a:rPr>
-              <a:t> </a:t>
-            </a:r>
-            <a:r>
-              <a:rPr sz="1300" spc="-5" dirty="0">
-                <a:latin typeface="Arial MT"/>
-                <a:cs typeface="Arial MT"/>
-              </a:rPr>
-              <a:t>Admission</a:t>
-            </a:r>
-            <a:r>
-              <a:rPr sz="1300" spc="-15" dirty="0">
-                <a:latin typeface="Arial MT"/>
-                <a:cs typeface="Arial MT"/>
-              </a:rPr>
-              <a:t> </a:t>
-            </a:r>
-            <a:r>
-              <a:rPr sz="1300" spc="-5" dirty="0">
-                <a:latin typeface="Arial MT"/>
-                <a:cs typeface="Arial MT"/>
-              </a:rPr>
-              <a:t>Prediction</a:t>
-            </a:r>
-            <a:r>
-              <a:rPr sz="1300" spc="-10" dirty="0">
-                <a:latin typeface="Arial MT"/>
-                <a:cs typeface="Arial MT"/>
-              </a:rPr>
-              <a:t> </a:t>
-            </a:r>
-            <a:r>
-              <a:rPr sz="1300" spc="-5" dirty="0">
-                <a:latin typeface="Arial MT"/>
-                <a:cs typeface="Arial MT"/>
-              </a:rPr>
-              <a:t>using</a:t>
-            </a:r>
-            <a:r>
-              <a:rPr sz="1300" spc="-10" dirty="0">
-                <a:latin typeface="Arial MT"/>
-                <a:cs typeface="Arial MT"/>
-              </a:rPr>
-              <a:t> </a:t>
-            </a:r>
-            <a:r>
-              <a:rPr sz="1300" spc="-5" dirty="0">
-                <a:latin typeface="Arial MT"/>
-                <a:cs typeface="Arial MT"/>
-              </a:rPr>
-              <a:t>Ensemble</a:t>
-            </a:r>
-            <a:r>
-              <a:rPr sz="1300" spc="-15" dirty="0">
-                <a:latin typeface="Arial MT"/>
-                <a:cs typeface="Arial MT"/>
-              </a:rPr>
-              <a:t> </a:t>
-            </a:r>
-            <a:r>
-              <a:rPr sz="1300" dirty="0">
-                <a:latin typeface="Arial MT"/>
-                <a:cs typeface="Arial MT"/>
-              </a:rPr>
-              <a:t>Machine</a:t>
-            </a:r>
-            <a:r>
-              <a:rPr sz="1300" spc="-10" dirty="0">
-                <a:latin typeface="Arial MT"/>
-                <a:cs typeface="Arial MT"/>
-              </a:rPr>
-              <a:t> </a:t>
-            </a:r>
-            <a:r>
-              <a:rPr sz="1300" spc="-5" dirty="0">
-                <a:latin typeface="Arial MT"/>
-                <a:cs typeface="Arial MT"/>
-              </a:rPr>
-              <a:t>Learning</a:t>
-            </a:r>
-            <a:r>
-              <a:rPr sz="1300" spc="-15" dirty="0">
-                <a:latin typeface="Arial MT"/>
-                <a:cs typeface="Arial MT"/>
-              </a:rPr>
-              <a:t> </a:t>
-            </a:r>
-            <a:r>
-              <a:rPr sz="1300" dirty="0">
-                <a:latin typeface="Arial MT"/>
-                <a:cs typeface="Arial MT"/>
-              </a:rPr>
-              <a:t>Models</a:t>
-            </a:r>
-          </a:p>
-          <a:p>
-            <a:pPr>
-              <a:lnSpc>
-                <a:spcPct val="100000"/>
-              </a:lnSpc>
-              <a:spcBef>
-                <a:spcPts val="50"/>
-              </a:spcBef>
-            </a:pPr>
-            <a:endParaRPr sz="1200" dirty="0">
-              <a:latin typeface="Arial MT"/>
-              <a:cs typeface="Arial MT"/>
-            </a:endParaRPr>
-          </a:p>
-          <a:p>
-            <a:pPr marL="12700">
-              <a:lnSpc>
-                <a:spcPct val="100000"/>
-              </a:lnSpc>
-              <a:spcBef>
-                <a:spcPts val="5"/>
-              </a:spcBef>
-            </a:pPr>
-            <a:r>
-              <a:rPr sz="1300" spc="-30" dirty="0">
-                <a:latin typeface="Arial MT"/>
-                <a:cs typeface="Arial MT"/>
-              </a:rPr>
-              <a:t>Year:</a:t>
-            </a:r>
-            <a:r>
-              <a:rPr sz="1300" spc="-45" dirty="0">
-                <a:latin typeface="Arial MT"/>
-                <a:cs typeface="Arial MT"/>
-              </a:rPr>
-              <a:t> </a:t>
-            </a:r>
-            <a:r>
-              <a:rPr sz="1300" spc="-5" dirty="0">
-                <a:latin typeface="Arial MT"/>
-                <a:cs typeface="Arial MT"/>
-              </a:rPr>
-              <a:t>2021</a:t>
-            </a:r>
-            <a:endParaRPr sz="1300" dirty="0">
-              <a:latin typeface="Arial MT"/>
-              <a:cs typeface="Arial MT"/>
-            </a:endParaRPr>
-          </a:p>
-          <a:p>
-            <a:pPr>
-              <a:lnSpc>
-                <a:spcPct val="100000"/>
-              </a:lnSpc>
-              <a:spcBef>
-                <a:spcPts val="50"/>
-              </a:spcBef>
-            </a:pPr>
-            <a:endParaRPr sz="1200" dirty="0">
-              <a:latin typeface="Arial MT"/>
-              <a:cs typeface="Arial MT"/>
-            </a:endParaRPr>
-          </a:p>
-          <a:p>
-            <a:pPr marL="12700">
-              <a:lnSpc>
-                <a:spcPct val="100000"/>
-              </a:lnSpc>
-            </a:pPr>
-            <a:r>
-              <a:rPr sz="1300" spc="-5" dirty="0">
-                <a:latin typeface="Arial MT"/>
-                <a:cs typeface="Arial MT"/>
-              </a:rPr>
-              <a:t>Author</a:t>
-            </a:r>
-            <a:r>
-              <a:rPr sz="1300" spc="-20" dirty="0">
-                <a:latin typeface="Arial MT"/>
-                <a:cs typeface="Arial MT"/>
-              </a:rPr>
-              <a:t> </a:t>
-            </a:r>
-            <a:r>
-              <a:rPr sz="1300" dirty="0">
-                <a:latin typeface="Arial MT"/>
-                <a:cs typeface="Arial MT"/>
-              </a:rPr>
-              <a:t>:</a:t>
-            </a:r>
-            <a:r>
-              <a:rPr sz="1300" spc="-15" dirty="0">
-                <a:latin typeface="Arial MT"/>
-                <a:cs typeface="Arial MT"/>
-              </a:rPr>
-              <a:t> </a:t>
-            </a:r>
-            <a:r>
-              <a:rPr sz="1300" spc="-20" dirty="0">
-                <a:latin typeface="Arial MT"/>
-                <a:cs typeface="Arial MT"/>
-              </a:rPr>
-              <a:t>Vandit </a:t>
-            </a:r>
-            <a:r>
-              <a:rPr sz="1300" dirty="0">
-                <a:latin typeface="Arial MT"/>
-                <a:cs typeface="Arial MT"/>
-              </a:rPr>
-              <a:t>Manish</a:t>
-            </a:r>
-            <a:r>
-              <a:rPr sz="1300" spc="-15" dirty="0">
-                <a:latin typeface="Arial MT"/>
-                <a:cs typeface="Arial MT"/>
-              </a:rPr>
-              <a:t> </a:t>
-            </a:r>
-            <a:r>
-              <a:rPr sz="1300" dirty="0">
-                <a:latin typeface="Arial MT"/>
-                <a:cs typeface="Arial MT"/>
-              </a:rPr>
-              <a:t>Jain,</a:t>
-            </a:r>
-            <a:r>
-              <a:rPr sz="1300" spc="-20" dirty="0">
-                <a:latin typeface="Arial MT"/>
-                <a:cs typeface="Arial MT"/>
-              </a:rPr>
-              <a:t> </a:t>
-            </a:r>
-            <a:r>
-              <a:rPr sz="1300" spc="-5" dirty="0">
-                <a:latin typeface="Arial MT"/>
-                <a:cs typeface="Arial MT"/>
-              </a:rPr>
-              <a:t>Rihaan</a:t>
-            </a:r>
-            <a:r>
-              <a:rPr sz="1300" spc="-15" dirty="0">
-                <a:latin typeface="Arial MT"/>
-                <a:cs typeface="Arial MT"/>
-              </a:rPr>
-              <a:t> </a:t>
-            </a:r>
-            <a:r>
-              <a:rPr sz="1300" spc="-5" dirty="0">
-                <a:latin typeface="Arial MT"/>
-                <a:cs typeface="Arial MT"/>
-              </a:rPr>
-              <a:t>Satia</a:t>
-            </a:r>
-            <a:endParaRPr sz="1300" dirty="0">
-              <a:latin typeface="Arial MT"/>
-              <a:cs typeface="Arial MT"/>
-            </a:endParaRPr>
-          </a:p>
-          <a:p>
-            <a:pPr marL="12700" marR="5080" algn="just">
-              <a:lnSpc>
-                <a:spcPct val="114999"/>
-              </a:lnSpc>
-              <a:spcBef>
-                <a:spcPts val="1200"/>
-              </a:spcBef>
-            </a:pPr>
-            <a:r>
-              <a:rPr sz="1300" spc="-5" dirty="0">
-                <a:latin typeface="Arial MT"/>
-                <a:cs typeface="Arial MT"/>
-              </a:rPr>
-              <a:t>About: This paper aims to build </a:t>
-            </a:r>
-            <a:r>
-              <a:rPr sz="1300" dirty="0">
-                <a:latin typeface="Arial MT"/>
-                <a:cs typeface="Arial MT"/>
-              </a:rPr>
-              <a:t>a model </a:t>
-            </a:r>
-            <a:r>
-              <a:rPr sz="1300" spc="-5" dirty="0">
-                <a:latin typeface="Arial MT"/>
-                <a:cs typeface="Arial MT"/>
-              </a:rPr>
-              <a:t>that </a:t>
-            </a:r>
-            <a:r>
-              <a:rPr sz="1300" dirty="0">
-                <a:latin typeface="Arial MT"/>
-                <a:cs typeface="Arial MT"/>
-              </a:rPr>
-              <a:t>can </a:t>
-            </a:r>
-            <a:r>
-              <a:rPr sz="1300" spc="-5" dirty="0">
-                <a:latin typeface="Arial MT"/>
-                <a:cs typeface="Arial MT"/>
-              </a:rPr>
-              <a:t>help </a:t>
-            </a:r>
-            <a:r>
-              <a:rPr sz="1300" dirty="0">
-                <a:latin typeface="Arial MT"/>
-                <a:cs typeface="Arial MT"/>
-              </a:rPr>
-              <a:t>students </a:t>
-            </a:r>
-            <a:r>
-              <a:rPr sz="1300" spc="-5" dirty="0">
-                <a:latin typeface="Arial MT"/>
-                <a:cs typeface="Arial MT"/>
-              </a:rPr>
-              <a:t>to pick the </a:t>
-            </a:r>
-            <a:r>
-              <a:rPr sz="1300" dirty="0">
-                <a:latin typeface="Arial MT"/>
-                <a:cs typeface="Arial MT"/>
-              </a:rPr>
-              <a:t>right </a:t>
-            </a:r>
-            <a:r>
-              <a:rPr sz="1300" spc="-5" dirty="0">
-                <a:latin typeface="Arial MT"/>
-                <a:cs typeface="Arial MT"/>
-              </a:rPr>
-              <a:t>universities based on their profiles. </a:t>
-            </a:r>
-            <a:r>
-              <a:rPr sz="1300" dirty="0">
-                <a:latin typeface="Arial MT"/>
-                <a:cs typeface="Arial MT"/>
-              </a:rPr>
-              <a:t> </a:t>
-            </a:r>
-            <a:r>
-              <a:rPr sz="1300" spc="-15" dirty="0">
-                <a:latin typeface="Arial MT"/>
-                <a:cs typeface="Arial MT"/>
-              </a:rPr>
-              <a:t>We </a:t>
-            </a:r>
-            <a:r>
-              <a:rPr sz="1300" dirty="0">
-                <a:latin typeface="Arial MT"/>
-                <a:cs typeface="Arial MT"/>
-              </a:rPr>
-              <a:t>can </a:t>
-            </a:r>
-            <a:r>
-              <a:rPr sz="1300" spc="-5" dirty="0">
-                <a:latin typeface="Arial MT"/>
-                <a:cs typeface="Arial MT"/>
-              </a:rPr>
-              <a:t>judge across </a:t>
-            </a:r>
-            <a:r>
-              <a:rPr sz="1300" dirty="0">
-                <a:latin typeface="Arial MT"/>
-                <a:cs typeface="Arial MT"/>
-              </a:rPr>
-              <a:t>a </a:t>
-            </a:r>
-            <a:r>
-              <a:rPr sz="1300" spc="-5" dirty="0">
-                <a:latin typeface="Arial MT"/>
-                <a:cs typeface="Arial MT"/>
-              </a:rPr>
-              <a:t>wide </a:t>
-            </a:r>
-            <a:r>
-              <a:rPr sz="1300" dirty="0">
-                <a:latin typeface="Arial MT"/>
-                <a:cs typeface="Arial MT"/>
-              </a:rPr>
-              <a:t>variety </a:t>
-            </a:r>
-            <a:r>
-              <a:rPr sz="1300" spc="-5" dirty="0">
-                <a:latin typeface="Arial MT"/>
-                <a:cs typeface="Arial MT"/>
-              </a:rPr>
-              <a:t>of domains that includeMS </a:t>
-            </a:r>
-            <a:r>
-              <a:rPr sz="1300" dirty="0">
-                <a:latin typeface="Arial MT"/>
-                <a:cs typeface="Arial MT"/>
-              </a:rPr>
-              <a:t>(international), </a:t>
-            </a:r>
-            <a:r>
-              <a:rPr sz="1300" spc="-30" dirty="0">
-                <a:latin typeface="Arial MT"/>
-                <a:cs typeface="Arial MT"/>
-              </a:rPr>
-              <a:t>M.Tech </a:t>
-            </a:r>
-            <a:r>
-              <a:rPr sz="1300" dirty="0">
-                <a:latin typeface="Arial MT"/>
-                <a:cs typeface="Arial MT"/>
-              </a:rPr>
-              <a:t>(India) </a:t>
-            </a:r>
-            <a:r>
-              <a:rPr sz="1300" spc="-5" dirty="0">
-                <a:latin typeface="Arial MT"/>
-                <a:cs typeface="Arial MT"/>
-              </a:rPr>
-              <a:t>and </a:t>
-            </a:r>
-            <a:r>
-              <a:rPr sz="1300" dirty="0">
-                <a:latin typeface="Arial MT"/>
-                <a:cs typeface="Arial MT"/>
-              </a:rPr>
-              <a:t>MBA (India </a:t>
-            </a:r>
-            <a:r>
-              <a:rPr sz="1300" spc="-5" dirty="0">
-                <a:latin typeface="Arial MT"/>
-                <a:cs typeface="Arial MT"/>
-              </a:rPr>
-              <a:t>and </a:t>
-            </a:r>
-            <a:r>
-              <a:rPr sz="1300" dirty="0">
-                <a:latin typeface="Arial MT"/>
-                <a:cs typeface="Arial MT"/>
-              </a:rPr>
-              <a:t> </a:t>
-            </a:r>
-            <a:r>
-              <a:rPr sz="1300" spc="-5" dirty="0">
-                <a:latin typeface="Arial MT"/>
-                <a:cs typeface="Arial MT"/>
-              </a:rPr>
-              <a:t>International).</a:t>
-            </a:r>
-            <a:r>
-              <a:rPr sz="1300" spc="235" dirty="0">
-                <a:latin typeface="Arial MT"/>
-                <a:cs typeface="Arial MT"/>
-              </a:rPr>
-              <a:t> </a:t>
-            </a:r>
-            <a:r>
-              <a:rPr sz="1300" spc="-5" dirty="0">
-                <a:latin typeface="Arial MT"/>
-                <a:cs typeface="Arial MT"/>
-              </a:rPr>
-              <a:t>For</a:t>
-            </a:r>
-            <a:r>
-              <a:rPr sz="1300" spc="240" dirty="0">
-                <a:latin typeface="Arial MT"/>
-                <a:cs typeface="Arial MT"/>
-              </a:rPr>
-              <a:t> </a:t>
-            </a:r>
-            <a:r>
-              <a:rPr sz="1300" spc="-5" dirty="0">
-                <a:latin typeface="Arial MT"/>
-                <a:cs typeface="Arial MT"/>
-              </a:rPr>
-              <a:t>the</a:t>
-            </a:r>
-            <a:r>
-              <a:rPr sz="1300" spc="240" dirty="0">
-                <a:latin typeface="Arial MT"/>
-                <a:cs typeface="Arial MT"/>
-              </a:rPr>
-              <a:t> </a:t>
-            </a:r>
-            <a:r>
-              <a:rPr sz="1300" spc="-5" dirty="0">
-                <a:latin typeface="Arial MT"/>
-                <a:cs typeface="Arial MT"/>
-              </a:rPr>
-              <a:t>accurate</a:t>
-            </a:r>
-            <a:r>
-              <a:rPr sz="1300" spc="245" dirty="0">
-                <a:latin typeface="Arial MT"/>
-                <a:cs typeface="Arial MT"/>
-              </a:rPr>
-              <a:t> </a:t>
-            </a:r>
-            <a:r>
-              <a:rPr sz="1300" spc="-5" dirty="0">
-                <a:latin typeface="Arial MT"/>
-                <a:cs typeface="Arial MT"/>
-              </a:rPr>
-              <a:t>predictions</a:t>
-            </a:r>
-            <a:r>
-              <a:rPr sz="1300" spc="245" dirty="0">
-                <a:latin typeface="Arial MT"/>
-                <a:cs typeface="Arial MT"/>
-              </a:rPr>
-              <a:t> </a:t>
-            </a:r>
-            <a:r>
-              <a:rPr sz="1300" spc="-5" dirty="0">
-                <a:latin typeface="Arial MT"/>
-                <a:cs typeface="Arial MT"/>
-              </a:rPr>
-              <a:t>we</a:t>
-            </a:r>
-            <a:r>
-              <a:rPr sz="1300" spc="240" dirty="0">
-                <a:latin typeface="Arial MT"/>
-                <a:cs typeface="Arial MT"/>
-              </a:rPr>
-              <a:t> </a:t>
-            </a:r>
-            <a:r>
-              <a:rPr sz="1300" spc="-5" dirty="0">
-                <a:latin typeface="Arial MT"/>
-                <a:cs typeface="Arial MT"/>
-              </a:rPr>
-              <a:t>plan</a:t>
-            </a:r>
-            <a:r>
-              <a:rPr sz="1300" spc="245" dirty="0">
-                <a:latin typeface="Arial MT"/>
-                <a:cs typeface="Arial MT"/>
-              </a:rPr>
-              <a:t> </a:t>
-            </a:r>
-            <a:r>
-              <a:rPr sz="1300" spc="-5" dirty="0">
-                <a:latin typeface="Arial MT"/>
-                <a:cs typeface="Arial MT"/>
-              </a:rPr>
-              <a:t>on</a:t>
-            </a:r>
-            <a:r>
-              <a:rPr sz="1300" spc="245" dirty="0">
-                <a:latin typeface="Arial MT"/>
-                <a:cs typeface="Arial MT"/>
-              </a:rPr>
-              <a:t> </a:t>
-            </a:r>
-            <a:r>
-              <a:rPr sz="1300" spc="-5" dirty="0">
-                <a:latin typeface="Arial MT"/>
-                <a:cs typeface="Arial MT"/>
-              </a:rPr>
-              <a:t>training</a:t>
-            </a:r>
-            <a:r>
-              <a:rPr sz="1300" spc="240" dirty="0">
-                <a:latin typeface="Arial MT"/>
-                <a:cs typeface="Arial MT"/>
-              </a:rPr>
-              <a:t> </a:t>
-            </a:r>
-            <a:r>
-              <a:rPr sz="1300" dirty="0">
-                <a:latin typeface="Arial MT"/>
-                <a:cs typeface="Arial MT"/>
-              </a:rPr>
-              <a:t>a</a:t>
-            </a:r>
-            <a:r>
-              <a:rPr sz="1300" spc="245" dirty="0">
-                <a:latin typeface="Arial MT"/>
-                <a:cs typeface="Arial MT"/>
-              </a:rPr>
-              <a:t> </a:t>
-            </a:r>
-            <a:r>
-              <a:rPr sz="1300" dirty="0">
-                <a:latin typeface="Arial MT"/>
-                <a:cs typeface="Arial MT"/>
-              </a:rPr>
-              <a:t>machine</a:t>
-            </a:r>
-            <a:r>
-              <a:rPr sz="1300" spc="240" dirty="0">
-                <a:latin typeface="Arial MT"/>
-                <a:cs typeface="Arial MT"/>
-              </a:rPr>
-              <a:t> </a:t>
-            </a:r>
-            <a:r>
-              <a:rPr sz="1300" spc="-5" dirty="0">
-                <a:latin typeface="Arial MT"/>
-                <a:cs typeface="Arial MT"/>
-              </a:rPr>
-              <a:t>learning</a:t>
-            </a:r>
-            <a:r>
-              <a:rPr sz="1300" spc="245" dirty="0">
-                <a:latin typeface="Arial MT"/>
-                <a:cs typeface="Arial MT"/>
-              </a:rPr>
-              <a:t> </a:t>
-            </a:r>
-            <a:r>
-              <a:rPr sz="1300" dirty="0">
-                <a:latin typeface="Arial MT"/>
-                <a:cs typeface="Arial MT"/>
-              </a:rPr>
-              <a:t>model</a:t>
-            </a:r>
-            <a:r>
-              <a:rPr sz="1300" spc="245" dirty="0">
-                <a:latin typeface="Arial MT"/>
-                <a:cs typeface="Arial MT"/>
-              </a:rPr>
-              <a:t> </a:t>
-            </a:r>
-            <a:r>
-              <a:rPr sz="1300" spc="-5" dirty="0">
-                <a:latin typeface="Arial MT"/>
-                <a:cs typeface="Arial MT"/>
-              </a:rPr>
-              <a:t>in</a:t>
-            </a:r>
-            <a:r>
-              <a:rPr sz="1300" spc="245" dirty="0">
-                <a:latin typeface="Arial MT"/>
-                <a:cs typeface="Arial MT"/>
-              </a:rPr>
-              <a:t> </a:t>
-            </a:r>
-            <a:r>
-              <a:rPr sz="1300" spc="-5" dirty="0">
-                <a:latin typeface="Arial MT"/>
-                <a:cs typeface="Arial MT"/>
-              </a:rPr>
-              <a:t>order</a:t>
-            </a:r>
-            <a:r>
-              <a:rPr sz="1300" spc="245" dirty="0">
-                <a:latin typeface="Arial MT"/>
-                <a:cs typeface="Arial MT"/>
-              </a:rPr>
-              <a:t> </a:t>
-            </a:r>
-            <a:r>
-              <a:rPr sz="1300" spc="-5" dirty="0">
-                <a:latin typeface="Arial MT"/>
-                <a:cs typeface="Arial MT"/>
-              </a:rPr>
-              <a:t>to</a:t>
-            </a:r>
-            <a:r>
-              <a:rPr sz="1300" spc="240" dirty="0">
-                <a:latin typeface="Arial MT"/>
-                <a:cs typeface="Arial MT"/>
-              </a:rPr>
-              <a:t> </a:t>
-            </a:r>
-            <a:r>
-              <a:rPr sz="1300" spc="-5" dirty="0">
-                <a:latin typeface="Arial MT"/>
-                <a:cs typeface="Arial MT"/>
-              </a:rPr>
-              <a:t>provide </a:t>
-            </a:r>
-            <a:r>
-              <a:rPr sz="1300" spc="-350" dirty="0">
-                <a:latin typeface="Arial MT"/>
-                <a:cs typeface="Arial MT"/>
-              </a:rPr>
-              <a:t> </a:t>
-            </a:r>
-            <a:r>
-              <a:rPr sz="1300" dirty="0">
-                <a:latin typeface="Arial MT"/>
-                <a:cs typeface="Arial MT"/>
-              </a:rPr>
-              <a:t>results. </a:t>
-            </a:r>
-            <a:r>
-              <a:rPr sz="1300" spc="-5" dirty="0">
-                <a:latin typeface="Arial MT"/>
-                <a:cs typeface="Arial MT"/>
-              </a:rPr>
-              <a:t>The dataset </a:t>
-            </a:r>
-            <a:r>
-              <a:rPr sz="1300" dirty="0">
-                <a:latin typeface="Arial MT"/>
-                <a:cs typeface="Arial MT"/>
-              </a:rPr>
-              <a:t>contains </a:t>
-            </a:r>
-            <a:r>
-              <a:rPr sz="1300" spc="-5" dirty="0">
-                <a:latin typeface="Arial MT"/>
-                <a:cs typeface="Arial MT"/>
-              </a:rPr>
-              <a:t>information on the </a:t>
-            </a:r>
-            <a:r>
-              <a:rPr sz="1300" dirty="0">
-                <a:latin typeface="Arial MT"/>
-                <a:cs typeface="Arial MT"/>
-              </a:rPr>
-              <a:t>student </a:t>
-            </a:r>
-            <a:r>
-              <a:rPr sz="1300" spc="-5" dirty="0">
-                <a:latin typeface="Arial MT"/>
-                <a:cs typeface="Arial MT"/>
-              </a:rPr>
-              <a:t>profile and the university details with </a:t>
-            </a:r>
-            <a:r>
-              <a:rPr sz="1300" dirty="0">
-                <a:latin typeface="Arial MT"/>
-                <a:cs typeface="Arial MT"/>
-              </a:rPr>
-              <a:t>a </a:t>
-            </a:r>
-            <a:r>
-              <a:rPr sz="1300" spc="-5" dirty="0">
-                <a:latin typeface="Arial MT"/>
-                <a:cs typeface="Arial MT"/>
-              </a:rPr>
-              <a:t>field detailing if the </a:t>
-            </a:r>
-            <a:r>
-              <a:rPr sz="1300" dirty="0">
-                <a:latin typeface="Arial MT"/>
-                <a:cs typeface="Arial MT"/>
-              </a:rPr>
-              <a:t> </a:t>
-            </a:r>
-            <a:r>
-              <a:rPr sz="1300" spc="-5" dirty="0">
-                <a:latin typeface="Arial MT"/>
-                <a:cs typeface="Arial MT"/>
-              </a:rPr>
-              <a:t>admission was positive or not. </a:t>
-            </a:r>
-            <a:r>
-              <a:rPr sz="1300" spc="-20" dirty="0">
-                <a:latin typeface="Arial MT"/>
-                <a:cs typeface="Arial MT"/>
-              </a:rPr>
-              <a:t>Various </a:t>
-            </a:r>
-            <a:r>
-              <a:rPr sz="1300" spc="-5" dirty="0">
-                <a:latin typeface="Arial MT"/>
-                <a:cs typeface="Arial MT"/>
-              </a:rPr>
-              <a:t>algorithms have been used i.e. Ensemble </a:t>
-            </a:r>
-            <a:r>
-              <a:rPr sz="1300" dirty="0">
-                <a:latin typeface="Arial MT"/>
-                <a:cs typeface="Arial MT"/>
-              </a:rPr>
-              <a:t>Machine </a:t>
-            </a:r>
-            <a:r>
-              <a:rPr sz="1300" spc="-5" dirty="0">
-                <a:latin typeface="Arial MT"/>
-                <a:cs typeface="Arial MT"/>
-              </a:rPr>
-              <a:t>Learning and the </a:t>
-            </a:r>
-            <a:r>
-              <a:rPr sz="1300" dirty="0">
-                <a:latin typeface="Arial MT"/>
-                <a:cs typeface="Arial MT"/>
-              </a:rPr>
-              <a:t> </a:t>
-            </a:r>
-            <a:r>
-              <a:rPr sz="1300" spc="-5" dirty="0">
-                <a:latin typeface="Arial MT"/>
-                <a:cs typeface="Arial MT"/>
-              </a:rPr>
-              <a:t>predictions have been </a:t>
-            </a:r>
-            <a:r>
-              <a:rPr sz="1300" dirty="0">
-                <a:latin typeface="Arial MT"/>
-                <a:cs typeface="Arial MT"/>
-              </a:rPr>
-              <a:t>compared </a:t>
-            </a:r>
-            <a:r>
-              <a:rPr sz="1300" spc="-5" dirty="0">
-                <a:latin typeface="Arial MT"/>
-                <a:cs typeface="Arial MT"/>
-              </a:rPr>
-              <a:t>using </a:t>
-            </a:r>
-            <a:r>
-              <a:rPr sz="1300" dirty="0">
-                <a:latin typeface="Arial MT"/>
-                <a:cs typeface="Arial MT"/>
-              </a:rPr>
-              <a:t>key </a:t>
-            </a:r>
-            <a:r>
-              <a:rPr sz="1300" spc="-5" dirty="0">
-                <a:latin typeface="Arial MT"/>
-                <a:cs typeface="Arial MT"/>
-              </a:rPr>
-              <a:t>performance indicators(KPIs). The </a:t>
-            </a:r>
-            <a:r>
-              <a:rPr sz="1300" dirty="0">
-                <a:latin typeface="Arial MT"/>
-                <a:cs typeface="Arial MT"/>
-              </a:rPr>
-              <a:t>model </a:t>
-            </a:r>
-            <a:r>
-              <a:rPr sz="1300" spc="-5" dirty="0">
-                <a:latin typeface="Arial MT"/>
-                <a:cs typeface="Arial MT"/>
-              </a:rPr>
-              <a:t>performing the best is then </a:t>
-            </a:r>
-            <a:r>
-              <a:rPr sz="1300" dirty="0">
-                <a:latin typeface="Arial MT"/>
-                <a:cs typeface="Arial MT"/>
-              </a:rPr>
-              <a:t> </a:t>
-            </a:r>
-            <a:r>
-              <a:rPr sz="1300" spc="-5" dirty="0">
-                <a:latin typeface="Arial MT"/>
-                <a:cs typeface="Arial MT"/>
-              </a:rPr>
-              <a:t>used to evaluate the dependent </a:t>
-            </a:r>
-            <a:r>
-              <a:rPr sz="1300" dirty="0">
-                <a:latin typeface="Arial MT"/>
-                <a:cs typeface="Arial MT"/>
-              </a:rPr>
-              <a:t>variable </a:t>
-            </a:r>
-            <a:r>
-              <a:rPr sz="1300" spc="-5" dirty="0">
-                <a:latin typeface="Arial MT"/>
-                <a:cs typeface="Arial MT"/>
-              </a:rPr>
-              <a:t>i.e. The </a:t>
-            </a:r>
-            <a:r>
-              <a:rPr sz="1300" dirty="0">
-                <a:latin typeface="Arial MT"/>
-                <a:cs typeface="Arial MT"/>
-              </a:rPr>
-              <a:t>chances </a:t>
-            </a:r>
-            <a:r>
-              <a:rPr sz="1300" spc="-5" dirty="0">
-                <a:latin typeface="Arial MT"/>
-                <a:cs typeface="Arial MT"/>
-              </a:rPr>
-              <a:t>of admit to </a:t>
-            </a:r>
-            <a:r>
-              <a:rPr sz="1300" dirty="0">
-                <a:latin typeface="Arial MT"/>
-                <a:cs typeface="Arial MT"/>
-              </a:rPr>
-              <a:t>a </a:t>
-            </a:r>
-            <a:r>
-              <a:rPr sz="1300" spc="-15" dirty="0">
-                <a:latin typeface="Arial MT"/>
-                <a:cs typeface="Arial MT"/>
-              </a:rPr>
-              <a:t>university. </a:t>
-            </a:r>
-            <a:r>
-              <a:rPr sz="1300" spc="-5" dirty="0">
-                <a:latin typeface="Arial MT"/>
-                <a:cs typeface="Arial MT"/>
-              </a:rPr>
-              <a:t>The </a:t>
-            </a:r>
-            <a:r>
-              <a:rPr sz="1300" dirty="0">
-                <a:latin typeface="Arial MT"/>
-                <a:cs typeface="Arial MT"/>
-              </a:rPr>
-              <a:t>chances </a:t>
-            </a:r>
-            <a:r>
-              <a:rPr sz="1300" spc="-5" dirty="0">
-                <a:latin typeface="Arial MT"/>
-                <a:cs typeface="Arial MT"/>
-              </a:rPr>
-              <a:t>of admit </a:t>
-            </a:r>
-            <a:r>
-              <a:rPr sz="1300" dirty="0">
-                <a:latin typeface="Arial MT"/>
-                <a:cs typeface="Arial MT"/>
-              </a:rPr>
-              <a:t>variable </a:t>
-            </a:r>
-            <a:r>
-              <a:rPr sz="1300" spc="-5" dirty="0">
-                <a:latin typeface="Arial MT"/>
-                <a:cs typeface="Arial MT"/>
-              </a:rPr>
-              <a:t>is </a:t>
-            </a:r>
-            <a:r>
-              <a:rPr sz="1300" spc="-350" dirty="0">
-                <a:latin typeface="Arial MT"/>
-                <a:cs typeface="Arial MT"/>
-              </a:rPr>
-              <a:t> </a:t>
-            </a:r>
-            <a:r>
-              <a:rPr sz="1300" dirty="0">
-                <a:latin typeface="Arial MT"/>
-                <a:cs typeface="Arial MT"/>
-              </a:rPr>
-              <a:t>a</a:t>
-            </a:r>
-            <a:r>
-              <a:rPr sz="1300" spc="-10" dirty="0">
-                <a:latin typeface="Arial MT"/>
-                <a:cs typeface="Arial MT"/>
-              </a:rPr>
-              <a:t> </a:t>
-            </a:r>
-            <a:r>
-              <a:rPr sz="1300" dirty="0">
-                <a:latin typeface="Arial MT"/>
-                <a:cs typeface="Arial MT"/>
-              </a:rPr>
-              <a:t>variable</a:t>
-            </a:r>
-            <a:r>
-              <a:rPr sz="1300" spc="-5" dirty="0">
-                <a:latin typeface="Arial MT"/>
-                <a:cs typeface="Arial MT"/>
-              </a:rPr>
-              <a:t> </a:t>
-            </a:r>
-            <a:r>
-              <a:rPr sz="1300" dirty="0">
-                <a:latin typeface="Arial MT"/>
-                <a:cs typeface="Arial MT"/>
-              </a:rPr>
-              <a:t>ranging</a:t>
-            </a:r>
-            <a:r>
-              <a:rPr sz="1300" spc="-5" dirty="0">
-                <a:latin typeface="Arial MT"/>
-                <a:cs typeface="Arial MT"/>
-              </a:rPr>
-              <a:t> from </a:t>
-            </a:r>
-            <a:r>
-              <a:rPr sz="1300" dirty="0">
-                <a:latin typeface="Arial MT"/>
-                <a:cs typeface="Arial MT"/>
-              </a:rPr>
-              <a:t>0</a:t>
-            </a:r>
-            <a:r>
-              <a:rPr sz="1300" spc="-10" dirty="0">
-                <a:latin typeface="Arial MT"/>
-                <a:cs typeface="Arial MT"/>
-              </a:rPr>
-              <a:t> </a:t>
-            </a:r>
-            <a:r>
-              <a:rPr sz="1300" spc="-5" dirty="0">
-                <a:latin typeface="Arial MT"/>
-                <a:cs typeface="Arial MT"/>
-              </a:rPr>
-              <a:t>to </a:t>
-            </a:r>
-            <a:r>
-              <a:rPr sz="1300" dirty="0">
-                <a:latin typeface="Arial MT"/>
-                <a:cs typeface="Arial MT"/>
-              </a:rPr>
-              <a:t>1</a:t>
-            </a:r>
-            <a:r>
-              <a:rPr sz="1300" spc="-5" dirty="0">
-                <a:latin typeface="Arial MT"/>
-                <a:cs typeface="Arial MT"/>
-              </a:rPr>
-              <a:t> which equates</a:t>
-            </a:r>
-            <a:r>
-              <a:rPr sz="1300" spc="-10" dirty="0">
-                <a:latin typeface="Arial MT"/>
-                <a:cs typeface="Arial MT"/>
-              </a:rPr>
-              <a:t> </a:t>
-            </a:r>
-            <a:r>
-              <a:rPr sz="1300" spc="-5" dirty="0">
-                <a:latin typeface="Arial MT"/>
-                <a:cs typeface="Arial MT"/>
-              </a:rPr>
-              <a:t>to the predicted probability of</a:t>
-            </a:r>
-            <a:r>
-              <a:rPr sz="1300" spc="-10" dirty="0">
-                <a:latin typeface="Arial MT"/>
-                <a:cs typeface="Arial MT"/>
-              </a:rPr>
-              <a:t> </a:t>
-            </a:r>
-            <a:r>
-              <a:rPr sz="1300" dirty="0">
-                <a:latin typeface="Arial MT"/>
-                <a:cs typeface="Arial MT"/>
-              </a:rPr>
-              <a:t>successful</a:t>
-            </a:r>
-            <a:r>
-              <a:rPr sz="1300" spc="-5" dirty="0">
-                <a:latin typeface="Arial MT"/>
-                <a:cs typeface="Arial MT"/>
-              </a:rPr>
-              <a:t> acceptance to </a:t>
-            </a:r>
-            <a:r>
-              <a:rPr sz="1300" dirty="0">
-                <a:latin typeface="Arial MT"/>
-                <a:cs typeface="Arial MT"/>
-              </a:rPr>
-              <a:t>a</a:t>
-            </a:r>
-            <a:r>
-              <a:rPr sz="1300" spc="-10" dirty="0">
-                <a:latin typeface="Arial MT"/>
-                <a:cs typeface="Arial MT"/>
-              </a:rPr>
-              <a:t> </a:t>
-            </a:r>
-            <a:r>
-              <a:rPr sz="1300" spc="-15" dirty="0">
-                <a:latin typeface="Arial MT"/>
-                <a:cs typeface="Arial MT"/>
-              </a:rPr>
-              <a:t>university.</a:t>
-            </a:r>
-            <a:endParaRPr sz="1300" dirty="0">
-              <a:latin typeface="Arial MT"/>
-              <a:cs typeface="Arial MT"/>
-            </a:endParaRPr>
-          </a:p>
-          <a:p>
-            <a:pPr marL="12700" marR="3768725" algn="just">
-              <a:lnSpc>
-                <a:spcPct val="191900"/>
-              </a:lnSpc>
-            </a:pPr>
-            <a:r>
-              <a:rPr sz="1300" spc="-5" dirty="0">
-                <a:latin typeface="Arial MT"/>
-                <a:cs typeface="Arial MT"/>
-              </a:rPr>
-              <a:t>Algorithms :Linear Regression,Neural Network,Random Forest </a:t>
-            </a:r>
-            <a:r>
-              <a:rPr sz="1300" spc="-350" dirty="0">
-                <a:latin typeface="Arial MT"/>
-                <a:cs typeface="Arial MT"/>
-              </a:rPr>
-              <a:t> </a:t>
-            </a:r>
-            <a:r>
-              <a:rPr sz="1300" spc="-5" dirty="0">
-                <a:latin typeface="Arial MT"/>
-                <a:cs typeface="Arial MT"/>
-              </a:rPr>
-              <a:t>Accuracy:</a:t>
-            </a:r>
-            <a:r>
-              <a:rPr sz="1300" spc="10" dirty="0">
-                <a:latin typeface="Arial MT"/>
-                <a:cs typeface="Arial MT"/>
-              </a:rPr>
-              <a:t> </a:t>
-            </a:r>
-            <a:r>
-              <a:rPr sz="1300" spc="-5" dirty="0">
-                <a:latin typeface="Arial MT"/>
-                <a:cs typeface="Arial MT"/>
-              </a:rPr>
-              <a:t>82.12,74.47,79.09</a:t>
-            </a:r>
-            <a:endParaRPr sz="1300" dirty="0">
-              <a:latin typeface="Arial MT"/>
-              <a:cs typeface="Arial MT"/>
-            </a:endParaRPr>
-          </a:p>
-        </p:txBody>
-      </p:sp>
-    </p:spTree>
-  </p:cSld>
-  <p:clrMapOvr>
-    <a:masterClrMapping/>
-  </p:clrMapOvr>
-</p:sld>
-</file>
-
-<file path=ppt/slides/slide11.xml><?xml version="1.0" encoding="utf-8"?>
 <p:sld xmlns:a="http://schemas.openxmlformats.org/drawingml/2006/main" xmlns:r="http://schemas.openxmlformats.org/officeDocument/2006/relationships" xmlns:p="http://schemas.openxmlformats.org/presentationml/2006/main" showMasterSp="0">
   <p:cSld>
     <p:spTree>
@@ -5716,7 +4461,7 @@
 </p:sld>
 </file>
 
-<file path=ppt/slides/slide12.xml><?xml version="1.0" encoding="utf-8"?>
+<file path=ppt/slides/slide11.xml><?xml version="1.0" encoding="utf-8"?>
 <p:sld xmlns:a="http://schemas.openxmlformats.org/drawingml/2006/main" xmlns:r="http://schemas.openxmlformats.org/officeDocument/2006/relationships" xmlns:p="http://schemas.openxmlformats.org/presentationml/2006/main" showMasterSp="0">
   <p:cSld>
     <p:spTree>
@@ -6559,1554 +5304,6 @@
                 <a:cs typeface="Arial MT"/>
               </a:rPr>
               <a:t>93%</a:t>
-            </a:r>
-            <a:endParaRPr sz="1300">
-              <a:latin typeface="Arial MT"/>
-              <a:cs typeface="Arial MT"/>
-            </a:endParaRPr>
-          </a:p>
-        </p:txBody>
-      </p:sp>
-    </p:spTree>
-  </p:cSld>
-  <p:clrMapOvr>
-    <a:masterClrMapping/>
-  </p:clrMapOvr>
-</p:sld>
-</file>
-
-<file path=ppt/slides/slide13.xml><?xml version="1.0" encoding="utf-8"?>
-<p:sld xmlns:a="http://schemas.openxmlformats.org/drawingml/2006/main" xmlns:r="http://schemas.openxmlformats.org/officeDocument/2006/relationships" xmlns:p="http://schemas.openxmlformats.org/presentationml/2006/main" showMasterSp="0">
-  <p:cSld>
-    <p:spTree>
-      <p:nvGrpSpPr>
-        <p:cNvPr id="1" name=""/>
-        <p:cNvGrpSpPr/>
-        <p:nvPr/>
-      </p:nvGrpSpPr>
-      <p:grpSpPr>
-        <a:xfrm>
-          <a:off x="0" y="0"/>
-          <a:ext cx="0" cy="0"/>
-          <a:chOff x="0" y="0"/>
-          <a:chExt cx="0" cy="0"/>
-        </a:xfrm>
-      </p:grpSpPr>
-      <p:sp>
-        <p:nvSpPr>
-          <p:cNvPr id="2" name="object 2"/>
-          <p:cNvSpPr txBox="1">
-            <a:spLocks noGrp="1"/>
-          </p:cNvSpPr>
-          <p:nvPr>
-            <p:ph type="title"/>
-          </p:nvPr>
-        </p:nvSpPr>
-        <p:spPr>
-          <a:xfrm>
-            <a:off x="609600" y="348398"/>
-            <a:ext cx="8001000" cy="723275"/>
-          </a:xfrm>
-          <a:prstGeom prst="rect">
-            <a:avLst/>
-          </a:prstGeom>
-        </p:spPr>
-        <p:txBody>
-          <a:bodyPr vert="horz" wrap="square" lIns="0" tIns="15240" rIns="0" bIns="0" rtlCol="0">
-            <a:spAutoFit/>
-          </a:bodyPr>
-          <a:lstStyle/>
-          <a:p>
-            <a:pPr marL="12700" algn="ctr">
-              <a:lnSpc>
-                <a:spcPct val="100000"/>
-              </a:lnSpc>
-              <a:spcBef>
-                <a:spcPts val="120"/>
-              </a:spcBef>
-            </a:pPr>
-            <a:r>
-              <a:rPr spc="-15" dirty="0"/>
-              <a:t>LITERATURE</a:t>
-            </a:r>
-            <a:r>
-              <a:rPr spc="-45" dirty="0"/>
-              <a:t> </a:t>
-            </a:r>
-            <a:r>
-              <a:rPr dirty="0"/>
-              <a:t>SURVEY</a:t>
-            </a:r>
-          </a:p>
-        </p:txBody>
-      </p:sp>
-      <p:sp>
-        <p:nvSpPr>
-          <p:cNvPr id="3" name="object 3"/>
-          <p:cNvSpPr txBox="1"/>
-          <p:nvPr/>
-        </p:nvSpPr>
-        <p:spPr>
-          <a:xfrm>
-            <a:off x="384725" y="1218896"/>
-            <a:ext cx="8372475" cy="3870960"/>
-          </a:xfrm>
-          <a:prstGeom prst="rect">
-            <a:avLst/>
-          </a:prstGeom>
-        </p:spPr>
-        <p:txBody>
-          <a:bodyPr vert="horz" wrap="square" lIns="0" tIns="12700" rIns="0" bIns="0" rtlCol="0">
-            <a:spAutoFit/>
-          </a:bodyPr>
-          <a:lstStyle/>
-          <a:p>
-            <a:pPr marL="12700">
-              <a:lnSpc>
-                <a:spcPct val="100000"/>
-              </a:lnSpc>
-              <a:spcBef>
-                <a:spcPts val="100"/>
-              </a:spcBef>
-            </a:pPr>
-            <a:r>
-              <a:rPr sz="1300" spc="-5" dirty="0">
-                <a:latin typeface="Arial MT"/>
-                <a:cs typeface="Arial MT"/>
-              </a:rPr>
-              <a:t>Name:</a:t>
-            </a:r>
-            <a:r>
-              <a:rPr sz="1300" spc="-10" dirty="0">
-                <a:latin typeface="Arial MT"/>
-                <a:cs typeface="Arial MT"/>
-              </a:rPr>
-              <a:t> </a:t>
-            </a:r>
-            <a:r>
-              <a:rPr sz="1300" dirty="0">
-                <a:latin typeface="Arial MT"/>
-                <a:cs typeface="Arial MT"/>
-              </a:rPr>
-              <a:t>Multiple</a:t>
-            </a:r>
-            <a:r>
-              <a:rPr sz="1300" spc="-10" dirty="0">
-                <a:latin typeface="Arial MT"/>
-                <a:cs typeface="Arial MT"/>
-              </a:rPr>
-              <a:t> </a:t>
-            </a:r>
-            <a:r>
-              <a:rPr sz="1300" dirty="0">
-                <a:latin typeface="Arial MT"/>
-                <a:cs typeface="Arial MT"/>
-              </a:rPr>
-              <a:t>Machine</a:t>
-            </a:r>
-            <a:r>
-              <a:rPr sz="1300" spc="-5" dirty="0">
-                <a:latin typeface="Arial MT"/>
-                <a:cs typeface="Arial MT"/>
-              </a:rPr>
-              <a:t> Learning</a:t>
-            </a:r>
-            <a:r>
-              <a:rPr sz="1300" spc="-10" dirty="0">
-                <a:latin typeface="Arial MT"/>
-                <a:cs typeface="Arial MT"/>
-              </a:rPr>
-              <a:t> </a:t>
-            </a:r>
-            <a:r>
-              <a:rPr sz="1300" spc="-5" dirty="0">
-                <a:latin typeface="Arial MT"/>
-                <a:cs typeface="Arial MT"/>
-              </a:rPr>
-              <a:t>Classifiers</a:t>
-            </a:r>
-            <a:r>
-              <a:rPr sz="1300" spc="-10" dirty="0">
-                <a:latin typeface="Arial MT"/>
-                <a:cs typeface="Arial MT"/>
-              </a:rPr>
-              <a:t> </a:t>
-            </a:r>
-            <a:r>
-              <a:rPr sz="1300" spc="-5" dirty="0">
-                <a:latin typeface="Arial MT"/>
-                <a:cs typeface="Arial MT"/>
-              </a:rPr>
-              <a:t>for </a:t>
-            </a:r>
-            <a:r>
-              <a:rPr sz="1300" spc="-10" dirty="0">
-                <a:latin typeface="Arial MT"/>
-                <a:cs typeface="Arial MT"/>
-              </a:rPr>
-              <a:t>Student’s</a:t>
-            </a:r>
-            <a:r>
-              <a:rPr sz="1300" spc="-80" dirty="0">
-                <a:latin typeface="Arial MT"/>
-                <a:cs typeface="Arial MT"/>
-              </a:rPr>
-              <a:t> </a:t>
-            </a:r>
-            <a:r>
-              <a:rPr sz="1300" spc="-5" dirty="0">
-                <a:latin typeface="Arial MT"/>
-                <a:cs typeface="Arial MT"/>
-              </a:rPr>
-              <a:t>Admission to</a:t>
-            </a:r>
-            <a:r>
-              <a:rPr sz="1300" spc="-10" dirty="0">
-                <a:latin typeface="Arial MT"/>
-                <a:cs typeface="Arial MT"/>
-              </a:rPr>
-              <a:t> </a:t>
-            </a:r>
-            <a:r>
-              <a:rPr sz="1300" spc="-5" dirty="0">
-                <a:latin typeface="Arial MT"/>
-                <a:cs typeface="Arial MT"/>
-              </a:rPr>
-              <a:t>University</a:t>
-            </a:r>
-            <a:r>
-              <a:rPr sz="1300" spc="-10" dirty="0">
-                <a:latin typeface="Arial MT"/>
-                <a:cs typeface="Arial MT"/>
-              </a:rPr>
-              <a:t> </a:t>
-            </a:r>
-            <a:r>
-              <a:rPr sz="1300" spc="-5" dirty="0">
-                <a:latin typeface="Arial MT"/>
-                <a:cs typeface="Arial MT"/>
-              </a:rPr>
-              <a:t>Prediction</a:t>
-            </a:r>
-            <a:endParaRPr sz="1300">
-              <a:latin typeface="Arial MT"/>
-              <a:cs typeface="Arial MT"/>
-            </a:endParaRPr>
-          </a:p>
-          <a:p>
-            <a:pPr>
-              <a:lnSpc>
-                <a:spcPct val="100000"/>
-              </a:lnSpc>
-              <a:spcBef>
-                <a:spcPts val="50"/>
-              </a:spcBef>
-            </a:pPr>
-            <a:endParaRPr sz="1200">
-              <a:latin typeface="Arial MT"/>
-              <a:cs typeface="Arial MT"/>
-            </a:endParaRPr>
-          </a:p>
-          <a:p>
-            <a:pPr marL="12700">
-              <a:lnSpc>
-                <a:spcPct val="100000"/>
-              </a:lnSpc>
-              <a:spcBef>
-                <a:spcPts val="5"/>
-              </a:spcBef>
-            </a:pPr>
-            <a:r>
-              <a:rPr sz="1300" spc="-30" dirty="0">
-                <a:latin typeface="Arial MT"/>
-                <a:cs typeface="Arial MT"/>
-              </a:rPr>
-              <a:t>Year:</a:t>
-            </a:r>
-            <a:r>
-              <a:rPr sz="1300" spc="-45" dirty="0">
-                <a:latin typeface="Arial MT"/>
-                <a:cs typeface="Arial MT"/>
-              </a:rPr>
-              <a:t> </a:t>
-            </a:r>
-            <a:r>
-              <a:rPr sz="1300" spc="-5" dirty="0">
-                <a:latin typeface="Arial MT"/>
-                <a:cs typeface="Arial MT"/>
-              </a:rPr>
-              <a:t>2019</a:t>
-            </a:r>
-            <a:endParaRPr sz="1300">
-              <a:latin typeface="Arial MT"/>
-              <a:cs typeface="Arial MT"/>
-            </a:endParaRPr>
-          </a:p>
-          <a:p>
-            <a:pPr>
-              <a:lnSpc>
-                <a:spcPct val="100000"/>
-              </a:lnSpc>
-              <a:spcBef>
-                <a:spcPts val="50"/>
-              </a:spcBef>
-            </a:pPr>
-            <a:endParaRPr sz="1200">
-              <a:latin typeface="Arial MT"/>
-              <a:cs typeface="Arial MT"/>
-            </a:endParaRPr>
-          </a:p>
-          <a:p>
-            <a:pPr marL="12700">
-              <a:lnSpc>
-                <a:spcPct val="100000"/>
-              </a:lnSpc>
-            </a:pPr>
-            <a:r>
-              <a:rPr sz="1300" spc="-5" dirty="0">
-                <a:latin typeface="Arial MT"/>
-                <a:cs typeface="Arial MT"/>
-              </a:rPr>
-              <a:t>Authors</a:t>
-            </a:r>
-            <a:r>
-              <a:rPr sz="1300" spc="-10" dirty="0">
-                <a:latin typeface="Arial MT"/>
-                <a:cs typeface="Arial MT"/>
-              </a:rPr>
-              <a:t> </a:t>
-            </a:r>
-            <a:r>
-              <a:rPr sz="1300" dirty="0">
-                <a:latin typeface="Arial MT"/>
-                <a:cs typeface="Arial MT"/>
-              </a:rPr>
-              <a:t>:</a:t>
-            </a:r>
-            <a:r>
-              <a:rPr sz="1300" spc="-80" dirty="0">
-                <a:latin typeface="Arial MT"/>
-                <a:cs typeface="Arial MT"/>
-              </a:rPr>
-              <a:t> </a:t>
-            </a:r>
-            <a:r>
-              <a:rPr sz="1300" spc="-5" dirty="0">
-                <a:latin typeface="Arial MT"/>
-                <a:cs typeface="Arial MT"/>
-              </a:rPr>
-              <a:t>Anil</a:t>
-            </a:r>
-            <a:r>
-              <a:rPr sz="1300" spc="-10" dirty="0">
-                <a:latin typeface="Arial MT"/>
-                <a:cs typeface="Arial MT"/>
-              </a:rPr>
-              <a:t> </a:t>
-            </a:r>
-            <a:r>
-              <a:rPr sz="1300" spc="-5" dirty="0">
-                <a:latin typeface="Arial MT"/>
-                <a:cs typeface="Arial MT"/>
-              </a:rPr>
-              <a:t>B,</a:t>
-            </a:r>
-            <a:r>
-              <a:rPr sz="1300" spc="-80" dirty="0">
-                <a:latin typeface="Arial MT"/>
-                <a:cs typeface="Arial MT"/>
-              </a:rPr>
-              <a:t> </a:t>
-            </a:r>
-            <a:r>
-              <a:rPr sz="1300" spc="-5" dirty="0">
-                <a:latin typeface="Arial MT"/>
-                <a:cs typeface="Arial MT"/>
-              </a:rPr>
-              <a:t>Akram</a:t>
-            </a:r>
-            <a:r>
-              <a:rPr sz="1300" spc="-10" dirty="0">
-                <a:latin typeface="Arial MT"/>
-                <a:cs typeface="Arial MT"/>
-              </a:rPr>
-              <a:t> </a:t>
-            </a:r>
-            <a:r>
-              <a:rPr sz="1300" spc="-5" dirty="0">
-                <a:latin typeface="Arial MT"/>
-                <a:cs typeface="Arial MT"/>
-              </a:rPr>
-              <a:t>Pasha,</a:t>
-            </a:r>
-            <a:r>
-              <a:rPr sz="1300" spc="-80" dirty="0">
-                <a:latin typeface="Arial MT"/>
-                <a:cs typeface="Arial MT"/>
-              </a:rPr>
-              <a:t> </a:t>
-            </a:r>
-            <a:r>
-              <a:rPr sz="1300" spc="-5" dirty="0">
-                <a:latin typeface="Arial MT"/>
-                <a:cs typeface="Arial MT"/>
-              </a:rPr>
-              <a:t>Aman,</a:t>
-            </a:r>
-            <a:r>
-              <a:rPr sz="1300" spc="-85" dirty="0">
-                <a:latin typeface="Arial MT"/>
-                <a:cs typeface="Arial MT"/>
-              </a:rPr>
-              <a:t> </a:t>
-            </a:r>
-            <a:r>
-              <a:rPr sz="1300" spc="-5" dirty="0">
-                <a:latin typeface="Arial MT"/>
-                <a:cs typeface="Arial MT"/>
-              </a:rPr>
-              <a:t>Aman</a:t>
-            </a:r>
-            <a:r>
-              <a:rPr sz="1300" spc="-10" dirty="0">
-                <a:latin typeface="Arial MT"/>
-                <a:cs typeface="Arial MT"/>
-              </a:rPr>
-              <a:t> </a:t>
-            </a:r>
-            <a:r>
-              <a:rPr sz="1300" spc="-5" dirty="0">
-                <a:latin typeface="Arial MT"/>
-                <a:cs typeface="Arial MT"/>
-              </a:rPr>
-              <a:t>Kumar</a:t>
-            </a:r>
-            <a:r>
-              <a:rPr sz="1300" spc="-10" dirty="0">
-                <a:latin typeface="Arial MT"/>
-                <a:cs typeface="Arial MT"/>
-              </a:rPr>
-              <a:t> </a:t>
-            </a:r>
-            <a:r>
-              <a:rPr sz="1300" spc="-5" dirty="0">
-                <a:latin typeface="Arial MT"/>
-                <a:cs typeface="Arial MT"/>
-              </a:rPr>
-              <a:t>Singh,</a:t>
-            </a:r>
-            <a:r>
-              <a:rPr sz="1300" spc="-80" dirty="0">
-                <a:latin typeface="Arial MT"/>
-                <a:cs typeface="Arial MT"/>
-              </a:rPr>
-              <a:t> </a:t>
-            </a:r>
-            <a:r>
-              <a:rPr sz="1300" spc="-5" dirty="0">
-                <a:latin typeface="Arial MT"/>
-                <a:cs typeface="Arial MT"/>
-              </a:rPr>
-              <a:t>Aditya</a:t>
-            </a:r>
-            <a:r>
-              <a:rPr sz="1300" spc="-10" dirty="0">
-                <a:latin typeface="Arial MT"/>
-                <a:cs typeface="Arial MT"/>
-              </a:rPr>
-              <a:t> </a:t>
-            </a:r>
-            <a:r>
-              <a:rPr sz="1300" spc="-5" dirty="0">
-                <a:latin typeface="Arial MT"/>
-                <a:cs typeface="Arial MT"/>
-              </a:rPr>
-              <a:t>Kumar</a:t>
-            </a:r>
-            <a:r>
-              <a:rPr sz="1300" spc="-10" dirty="0">
-                <a:latin typeface="Arial MT"/>
-                <a:cs typeface="Arial MT"/>
-              </a:rPr>
-              <a:t> </a:t>
-            </a:r>
-            <a:r>
-              <a:rPr sz="1300" spc="-5" dirty="0">
-                <a:latin typeface="Arial MT"/>
-                <a:cs typeface="Arial MT"/>
-              </a:rPr>
-              <a:t>Singh</a:t>
-            </a:r>
-            <a:endParaRPr sz="1300">
-              <a:latin typeface="Arial MT"/>
-              <a:cs typeface="Arial MT"/>
-            </a:endParaRPr>
-          </a:p>
-          <a:p>
-            <a:pPr marL="12700" marR="5080" algn="just">
-              <a:lnSpc>
-                <a:spcPct val="114999"/>
-              </a:lnSpc>
-              <a:spcBef>
-                <a:spcPts val="1200"/>
-              </a:spcBef>
-            </a:pPr>
-            <a:r>
-              <a:rPr sz="1300" spc="-5" dirty="0">
-                <a:latin typeface="Arial MT"/>
-                <a:cs typeface="Arial MT"/>
-              </a:rPr>
-              <a:t>About: </a:t>
-            </a:r>
-            <a:r>
-              <a:rPr sz="1300" dirty="0">
-                <a:latin typeface="Arial MT"/>
-                <a:cs typeface="Arial MT"/>
-              </a:rPr>
-              <a:t>Machine </a:t>
-            </a:r>
-            <a:r>
-              <a:rPr sz="1300" spc="-5" dirty="0">
-                <a:latin typeface="Arial MT"/>
-                <a:cs typeface="Arial MT"/>
-              </a:rPr>
-              <a:t>Learning and Big Data </a:t>
-            </a:r>
-            <a:r>
-              <a:rPr sz="1300" dirty="0">
-                <a:latin typeface="Arial MT"/>
-                <a:cs typeface="Arial MT"/>
-              </a:rPr>
-              <a:t>can </a:t>
-            </a:r>
-            <a:r>
-              <a:rPr sz="1300" spc="-5" dirty="0">
-                <a:latin typeface="Arial MT"/>
-                <a:cs typeface="Arial MT"/>
-              </a:rPr>
-              <a:t>be useful for predicting the </a:t>
-            </a:r>
-            <a:r>
-              <a:rPr sz="1300" dirty="0">
-                <a:latin typeface="Arial MT"/>
-                <a:cs typeface="Arial MT"/>
-              </a:rPr>
-              <a:t>students’ </a:t>
-            </a:r>
-            <a:r>
-              <a:rPr sz="1300" spc="-5" dirty="0">
-                <a:latin typeface="Arial MT"/>
-                <a:cs typeface="Arial MT"/>
-              </a:rPr>
-              <a:t>admission, performance of </a:t>
-            </a:r>
-            <a:r>
-              <a:rPr sz="1300" dirty="0">
-                <a:latin typeface="Arial MT"/>
-                <a:cs typeface="Arial MT"/>
-              </a:rPr>
-              <a:t> </a:t>
-            </a:r>
-            <a:r>
-              <a:rPr sz="1300" spc="-5" dirty="0">
-                <a:latin typeface="Arial MT"/>
-                <a:cs typeface="Arial MT"/>
-              </a:rPr>
-              <a:t>teaching, performance of </a:t>
-            </a:r>
-            <a:r>
-              <a:rPr sz="1300" dirty="0">
-                <a:latin typeface="Arial MT"/>
-                <a:cs typeface="Arial MT"/>
-              </a:rPr>
-              <a:t>a student, </a:t>
-            </a:r>
-            <a:r>
-              <a:rPr sz="1300" spc="-5" dirty="0">
-                <a:latin typeface="Arial MT"/>
-                <a:cs typeface="Arial MT"/>
-              </a:rPr>
-              <a:t>identifying the group of </a:t>
-            </a:r>
-            <a:r>
-              <a:rPr sz="1300" dirty="0">
-                <a:latin typeface="Arial MT"/>
-                <a:cs typeface="Arial MT"/>
-              </a:rPr>
-              <a:t>students </a:t>
-            </a:r>
-            <a:r>
-              <a:rPr sz="1300" spc="-5" dirty="0">
-                <a:latin typeface="Arial MT"/>
-                <a:cs typeface="Arial MT"/>
-              </a:rPr>
-              <a:t>of </a:t>
-            </a:r>
-            <a:r>
-              <a:rPr sz="1300" dirty="0">
-                <a:latin typeface="Arial MT"/>
-                <a:cs typeface="Arial MT"/>
-              </a:rPr>
-              <a:t>similar </a:t>
-            </a:r>
-            <a:r>
-              <a:rPr sz="1300" spc="-15" dirty="0">
-                <a:latin typeface="Arial MT"/>
-                <a:cs typeface="Arial MT"/>
-              </a:rPr>
-              <a:t>behavior. However, </a:t>
-            </a:r>
-            <a:r>
-              <a:rPr sz="1300" spc="-5" dirty="0">
-                <a:latin typeface="Arial MT"/>
-                <a:cs typeface="Arial MT"/>
-              </a:rPr>
-              <a:t>the </a:t>
-            </a:r>
-            <a:r>
-              <a:rPr sz="1300" dirty="0">
-                <a:latin typeface="Arial MT"/>
-                <a:cs typeface="Arial MT"/>
-              </a:rPr>
-              <a:t>manual </a:t>
-            </a:r>
-            <a:r>
-              <a:rPr sz="1300" spc="5" dirty="0">
-                <a:latin typeface="Arial MT"/>
-                <a:cs typeface="Arial MT"/>
-              </a:rPr>
-              <a:t> </a:t>
-            </a:r>
-            <a:r>
-              <a:rPr sz="1300" spc="-5" dirty="0">
-                <a:latin typeface="Arial MT"/>
-                <a:cs typeface="Arial MT"/>
-              </a:rPr>
-              <a:t>process</a:t>
-            </a:r>
-            <a:r>
-              <a:rPr sz="1300" dirty="0">
-                <a:latin typeface="Arial MT"/>
-                <a:cs typeface="Arial MT"/>
-              </a:rPr>
-              <a:t> </a:t>
-            </a:r>
-            <a:r>
-              <a:rPr sz="1300" spc="-5" dirty="0">
-                <a:latin typeface="Arial MT"/>
-                <a:cs typeface="Arial MT"/>
-              </a:rPr>
-              <a:t>of</a:t>
-            </a:r>
-            <a:r>
-              <a:rPr sz="1300" dirty="0">
-                <a:latin typeface="Arial MT"/>
-                <a:cs typeface="Arial MT"/>
-              </a:rPr>
-              <a:t> record</a:t>
-            </a:r>
-            <a:r>
-              <a:rPr sz="1300" spc="5" dirty="0">
-                <a:latin typeface="Arial MT"/>
-                <a:cs typeface="Arial MT"/>
-              </a:rPr>
-              <a:t> </a:t>
-            </a:r>
-            <a:r>
-              <a:rPr sz="1300" dirty="0">
-                <a:latin typeface="Arial MT"/>
-                <a:cs typeface="Arial MT"/>
-              </a:rPr>
-              <a:t>checking</a:t>
-            </a:r>
-            <a:r>
-              <a:rPr sz="1300" spc="5" dirty="0">
-                <a:latin typeface="Arial MT"/>
-                <a:cs typeface="Arial MT"/>
-              </a:rPr>
-              <a:t> </a:t>
-            </a:r>
-            <a:r>
-              <a:rPr sz="1300" spc="-5" dirty="0">
-                <a:latin typeface="Arial MT"/>
-                <a:cs typeface="Arial MT"/>
-              </a:rPr>
-              <a:t>is</a:t>
-            </a:r>
-            <a:r>
-              <a:rPr sz="1300" dirty="0">
-                <a:latin typeface="Arial MT"/>
-                <a:cs typeface="Arial MT"/>
-              </a:rPr>
-              <a:t> </a:t>
-            </a:r>
-            <a:r>
-              <a:rPr sz="1300" spc="-5" dirty="0">
-                <a:latin typeface="Arial MT"/>
-                <a:cs typeface="Arial MT"/>
-              </a:rPr>
-              <a:t>time</a:t>
-            </a:r>
-            <a:r>
-              <a:rPr sz="1300" dirty="0">
-                <a:latin typeface="Arial MT"/>
-                <a:cs typeface="Arial MT"/>
-              </a:rPr>
-              <a:t> consuming,</a:t>
-            </a:r>
-            <a:r>
-              <a:rPr sz="1300" spc="5" dirty="0">
-                <a:latin typeface="Arial MT"/>
-                <a:cs typeface="Arial MT"/>
-              </a:rPr>
-              <a:t> </a:t>
-            </a:r>
-            <a:r>
-              <a:rPr sz="1300" spc="-5" dirty="0">
-                <a:latin typeface="Arial MT"/>
-                <a:cs typeface="Arial MT"/>
-              </a:rPr>
-              <a:t>tedious,</a:t>
-            </a:r>
-            <a:r>
-              <a:rPr sz="1300" dirty="0">
-                <a:latin typeface="Arial MT"/>
-                <a:cs typeface="Arial MT"/>
-              </a:rPr>
-              <a:t> </a:t>
-            </a:r>
-            <a:r>
-              <a:rPr sz="1300" spc="-5" dirty="0">
-                <a:latin typeface="Arial MT"/>
-                <a:cs typeface="Arial MT"/>
-              </a:rPr>
-              <a:t>and</a:t>
-            </a:r>
-            <a:r>
-              <a:rPr sz="1300" dirty="0">
-                <a:latin typeface="Arial MT"/>
-                <a:cs typeface="Arial MT"/>
-              </a:rPr>
-              <a:t> </a:t>
-            </a:r>
-            <a:r>
-              <a:rPr sz="1300" spc="-5" dirty="0">
-                <a:latin typeface="Arial MT"/>
-                <a:cs typeface="Arial MT"/>
-              </a:rPr>
-              <a:t>error</a:t>
-            </a:r>
-            <a:r>
-              <a:rPr sz="1300" dirty="0">
-                <a:latin typeface="Arial MT"/>
-                <a:cs typeface="Arial MT"/>
-              </a:rPr>
-              <a:t> </a:t>
-            </a:r>
-            <a:r>
-              <a:rPr sz="1300" spc="-5" dirty="0">
-                <a:latin typeface="Arial MT"/>
-                <a:cs typeface="Arial MT"/>
-              </a:rPr>
-              <a:t>prone;</a:t>
-            </a:r>
-            <a:r>
-              <a:rPr sz="1300" dirty="0">
-                <a:latin typeface="Arial MT"/>
-                <a:cs typeface="Arial MT"/>
-              </a:rPr>
-              <a:t> </a:t>
-            </a:r>
-            <a:r>
-              <a:rPr sz="1300" spc="-5" dirty="0">
-                <a:latin typeface="Arial MT"/>
-                <a:cs typeface="Arial MT"/>
-              </a:rPr>
-              <a:t>due</a:t>
-            </a:r>
-            <a:r>
-              <a:rPr sz="1300" dirty="0">
-                <a:latin typeface="Arial MT"/>
-                <a:cs typeface="Arial MT"/>
-              </a:rPr>
-              <a:t> </a:t>
-            </a:r>
-            <a:r>
-              <a:rPr sz="1300" spc="-5" dirty="0">
-                <a:latin typeface="Arial MT"/>
-                <a:cs typeface="Arial MT"/>
-              </a:rPr>
-              <a:t>to</a:t>
-            </a:r>
-            <a:r>
-              <a:rPr sz="1300" dirty="0">
-                <a:latin typeface="Arial MT"/>
-                <a:cs typeface="Arial MT"/>
-              </a:rPr>
-              <a:t> </a:t>
-            </a:r>
-            <a:r>
-              <a:rPr sz="1300" spc="-5" dirty="0">
-                <a:latin typeface="Arial MT"/>
-                <a:cs typeface="Arial MT"/>
-              </a:rPr>
-              <a:t>the</a:t>
-            </a:r>
-            <a:r>
-              <a:rPr sz="1300" dirty="0">
-                <a:latin typeface="Arial MT"/>
-                <a:cs typeface="Arial MT"/>
-              </a:rPr>
-              <a:t> </a:t>
-            </a:r>
-            <a:r>
-              <a:rPr sz="1300" spc="-5" dirty="0">
-                <a:latin typeface="Arial MT"/>
-                <a:cs typeface="Arial MT"/>
-              </a:rPr>
-              <a:t>inherent</a:t>
-            </a:r>
-            <a:r>
-              <a:rPr sz="1300" spc="350" dirty="0">
-                <a:latin typeface="Arial MT"/>
-                <a:cs typeface="Arial MT"/>
-              </a:rPr>
-              <a:t> </a:t>
-            </a:r>
-            <a:r>
-              <a:rPr sz="1300" dirty="0">
-                <a:latin typeface="Arial MT"/>
-                <a:cs typeface="Arial MT"/>
-              </a:rPr>
-              <a:t>volume</a:t>
-            </a:r>
-            <a:r>
-              <a:rPr sz="1300" spc="360" dirty="0">
-                <a:latin typeface="Arial MT"/>
-                <a:cs typeface="Arial MT"/>
-              </a:rPr>
-              <a:t> </a:t>
-            </a:r>
-            <a:r>
-              <a:rPr sz="1300" spc="-5" dirty="0">
-                <a:latin typeface="Arial MT"/>
-                <a:cs typeface="Arial MT"/>
-              </a:rPr>
-              <a:t>and </a:t>
-            </a:r>
-            <a:r>
-              <a:rPr sz="1300" dirty="0">
-                <a:latin typeface="Arial MT"/>
-                <a:cs typeface="Arial MT"/>
-              </a:rPr>
-              <a:t> complexity </a:t>
-            </a:r>
-            <a:r>
-              <a:rPr sz="1300" spc="-5" dirty="0">
-                <a:latin typeface="Arial MT"/>
-                <a:cs typeface="Arial MT"/>
-              </a:rPr>
-              <a:t>of data. In this </a:t>
-            </a:r>
-            <a:r>
-              <a:rPr sz="1300" spc="-20" dirty="0">
-                <a:latin typeface="Arial MT"/>
-                <a:cs typeface="Arial MT"/>
-              </a:rPr>
-              <a:t>study, </a:t>
-            </a:r>
-            <a:r>
-              <a:rPr sz="1300" spc="-5" dirty="0">
-                <a:latin typeface="Arial MT"/>
-                <a:cs typeface="Arial MT"/>
-              </a:rPr>
-              <a:t>the </a:t>
-            </a:r>
-            <a:r>
-              <a:rPr sz="1300" dirty="0">
-                <a:latin typeface="Arial MT"/>
-                <a:cs typeface="Arial MT"/>
-              </a:rPr>
-              <a:t>combination </a:t>
-            </a:r>
-            <a:r>
-              <a:rPr sz="1300" spc="-5" dirty="0">
-                <a:latin typeface="Arial MT"/>
-                <a:cs typeface="Arial MT"/>
-              </a:rPr>
-              <a:t>of linear and non-linear </a:t>
-            </a:r>
-            <a:r>
-              <a:rPr sz="1300" dirty="0">
-                <a:latin typeface="Arial MT"/>
-                <a:cs typeface="Arial MT"/>
-              </a:rPr>
-              <a:t>machine </a:t>
-            </a:r>
-            <a:r>
-              <a:rPr sz="1300" spc="-5" dirty="0">
-                <a:latin typeface="Arial MT"/>
-                <a:cs typeface="Arial MT"/>
-              </a:rPr>
-              <a:t>learning algorithms; Logistic </a:t>
-            </a:r>
-            <a:r>
-              <a:rPr sz="1300" dirty="0">
-                <a:latin typeface="Arial MT"/>
-                <a:cs typeface="Arial MT"/>
-              </a:rPr>
-              <a:t> </a:t>
-            </a:r>
-            <a:r>
-              <a:rPr sz="1300" spc="-5" dirty="0">
-                <a:latin typeface="Arial MT"/>
-                <a:cs typeface="Arial MT"/>
-              </a:rPr>
-              <a:t>Regression, Decision </a:t>
-            </a:r>
-            <a:r>
-              <a:rPr sz="1300" spc="-10" dirty="0">
-                <a:latin typeface="Arial MT"/>
-                <a:cs typeface="Arial MT"/>
-              </a:rPr>
-              <a:t>Tree, </a:t>
-            </a:r>
-            <a:r>
-              <a:rPr sz="1300" dirty="0">
-                <a:latin typeface="Arial MT"/>
-                <a:cs typeface="Arial MT"/>
-              </a:rPr>
-              <a:t>k-NN, </a:t>
-            </a:r>
-            <a:r>
-              <a:rPr sz="1300" spc="-5" dirty="0">
-                <a:latin typeface="Arial MT"/>
-                <a:cs typeface="Arial MT"/>
-              </a:rPr>
-              <a:t>and Naïve Bayes have been </a:t>
-            </a:r>
-            <a:r>
-              <a:rPr sz="1300" dirty="0">
-                <a:latin typeface="Arial MT"/>
-                <a:cs typeface="Arial MT"/>
-              </a:rPr>
-              <a:t>chosen </a:t>
-            </a:r>
-            <a:r>
-              <a:rPr sz="1300" spc="-5" dirty="0">
-                <a:latin typeface="Arial MT"/>
-                <a:cs typeface="Arial MT"/>
-              </a:rPr>
-              <a:t>to perform prediction of the target </a:t>
-            </a:r>
-            <a:r>
-              <a:rPr sz="1300" dirty="0">
-                <a:latin typeface="Arial MT"/>
-                <a:cs typeface="Arial MT"/>
-              </a:rPr>
-              <a:t>class </a:t>
-            </a:r>
-            <a:r>
-              <a:rPr sz="1300" spc="-5" dirty="0">
-                <a:latin typeface="Arial MT"/>
-                <a:cs typeface="Arial MT"/>
-              </a:rPr>
-              <a:t>for </a:t>
-            </a:r>
-            <a:r>
-              <a:rPr sz="1300" dirty="0">
-                <a:latin typeface="Arial MT"/>
-                <a:cs typeface="Arial MT"/>
-              </a:rPr>
-              <a:t> </a:t>
-            </a:r>
-            <a:r>
-              <a:rPr sz="1300" spc="-5" dirty="0">
-                <a:latin typeface="Arial MT"/>
-                <a:cs typeface="Arial MT"/>
-              </a:rPr>
-              <a:t>an</a:t>
-            </a:r>
-            <a:r>
-              <a:rPr sz="1300" spc="45" dirty="0">
-                <a:latin typeface="Arial MT"/>
-                <a:cs typeface="Arial MT"/>
-              </a:rPr>
-              <a:t> </a:t>
-            </a:r>
-            <a:r>
-              <a:rPr sz="1300" spc="-5" dirty="0">
-                <a:latin typeface="Arial MT"/>
-                <a:cs typeface="Arial MT"/>
-              </a:rPr>
-              <a:t>unseen</a:t>
-            </a:r>
-            <a:r>
-              <a:rPr sz="1300" spc="50" dirty="0">
-                <a:latin typeface="Arial MT"/>
-                <a:cs typeface="Arial MT"/>
-              </a:rPr>
-              <a:t> </a:t>
-            </a:r>
-            <a:r>
-              <a:rPr sz="1300" spc="-5" dirty="0">
-                <a:latin typeface="Arial MT"/>
-                <a:cs typeface="Arial MT"/>
-              </a:rPr>
-              <a:t>observation</a:t>
-            </a:r>
-            <a:r>
-              <a:rPr sz="1300" spc="50" dirty="0">
-                <a:latin typeface="Arial MT"/>
-                <a:cs typeface="Arial MT"/>
-              </a:rPr>
-              <a:t> </a:t>
-            </a:r>
-            <a:r>
-              <a:rPr sz="1300" spc="-5" dirty="0">
-                <a:latin typeface="Arial MT"/>
-                <a:cs typeface="Arial MT"/>
-              </a:rPr>
-              <a:t>by</a:t>
-            </a:r>
-            <a:r>
-              <a:rPr sz="1300" spc="50" dirty="0">
-                <a:latin typeface="Arial MT"/>
-                <a:cs typeface="Arial MT"/>
-              </a:rPr>
-              <a:t> </a:t>
-            </a:r>
-            <a:r>
-              <a:rPr sz="1300" spc="-5" dirty="0">
-                <a:latin typeface="Arial MT"/>
-                <a:cs typeface="Arial MT"/>
-              </a:rPr>
-              <a:t>polling.</a:t>
-            </a:r>
-            <a:r>
-              <a:rPr sz="1300" spc="-20" dirty="0">
-                <a:latin typeface="Arial MT"/>
-                <a:cs typeface="Arial MT"/>
-              </a:rPr>
-              <a:t> </a:t>
-            </a:r>
-            <a:r>
-              <a:rPr sz="1300" spc="-5" dirty="0">
-                <a:latin typeface="Arial MT"/>
-                <a:cs typeface="Arial MT"/>
-              </a:rPr>
-              <a:t>As</a:t>
-            </a:r>
-            <a:r>
-              <a:rPr sz="1300" spc="40" dirty="0">
-                <a:latin typeface="Arial MT"/>
-                <a:cs typeface="Arial MT"/>
-              </a:rPr>
-              <a:t> </a:t>
-            </a:r>
-            <a:r>
-              <a:rPr sz="1300" spc="-5" dirty="0">
-                <a:latin typeface="Arial MT"/>
-                <a:cs typeface="Arial MT"/>
-              </a:rPr>
-              <a:t>the</a:t>
-            </a:r>
-            <a:r>
-              <a:rPr sz="1300" spc="45" dirty="0">
-                <a:latin typeface="Arial MT"/>
-                <a:cs typeface="Arial MT"/>
-              </a:rPr>
-              <a:t> </a:t>
-            </a:r>
-            <a:r>
-              <a:rPr sz="1300" dirty="0">
-                <a:latin typeface="Arial MT"/>
-                <a:cs typeface="Arial MT"/>
-              </a:rPr>
-              <a:t>models</a:t>
-            </a:r>
-            <a:r>
-              <a:rPr sz="1300" spc="50" dirty="0">
-                <a:latin typeface="Arial MT"/>
-                <a:cs typeface="Arial MT"/>
-              </a:rPr>
-              <a:t> </a:t>
-            </a:r>
-            <a:r>
-              <a:rPr sz="1300" spc="-5" dirty="0">
-                <a:latin typeface="Arial MT"/>
-                <a:cs typeface="Arial MT"/>
-              </a:rPr>
-              <a:t>built</a:t>
-            </a:r>
-            <a:r>
-              <a:rPr sz="1300" spc="50" dirty="0">
-                <a:latin typeface="Arial MT"/>
-                <a:cs typeface="Arial MT"/>
-              </a:rPr>
-              <a:t> </a:t>
-            </a:r>
-            <a:r>
-              <a:rPr sz="1300" spc="-5" dirty="0">
-                <a:latin typeface="Arial MT"/>
-                <a:cs typeface="Arial MT"/>
-              </a:rPr>
-              <a:t>in</a:t>
-            </a:r>
-            <a:r>
-              <a:rPr sz="1300" spc="50" dirty="0">
-                <a:latin typeface="Arial MT"/>
-                <a:cs typeface="Arial MT"/>
-              </a:rPr>
-              <a:t> </a:t>
-            </a:r>
-            <a:r>
-              <a:rPr sz="1300" spc="-5" dirty="0">
-                <a:latin typeface="Arial MT"/>
-                <a:cs typeface="Arial MT"/>
-              </a:rPr>
-              <a:t>this</a:t>
-            </a:r>
-            <a:r>
-              <a:rPr sz="1300" spc="40" dirty="0">
-                <a:latin typeface="Arial MT"/>
-                <a:cs typeface="Arial MT"/>
-              </a:rPr>
-              <a:t> </a:t>
-            </a:r>
-            <a:r>
-              <a:rPr sz="1300" spc="-5" dirty="0">
-                <a:latin typeface="Arial MT"/>
-                <a:cs typeface="Arial MT"/>
-              </a:rPr>
-              <a:t>work</a:t>
-            </a:r>
-            <a:r>
-              <a:rPr sz="1300" spc="50" dirty="0">
-                <a:latin typeface="Arial MT"/>
-                <a:cs typeface="Arial MT"/>
-              </a:rPr>
-              <a:t> </a:t>
-            </a:r>
-            <a:r>
-              <a:rPr sz="1300" spc="-5" dirty="0">
-                <a:latin typeface="Arial MT"/>
-                <a:cs typeface="Arial MT"/>
-              </a:rPr>
-              <a:t>are</a:t>
-            </a:r>
-            <a:r>
-              <a:rPr sz="1300" spc="50" dirty="0">
-                <a:latin typeface="Arial MT"/>
-                <a:cs typeface="Arial MT"/>
-              </a:rPr>
-              <a:t> </a:t>
-            </a:r>
-            <a:r>
-              <a:rPr sz="1300" spc="-5" dirty="0">
-                <a:latin typeface="Arial MT"/>
-                <a:cs typeface="Arial MT"/>
-              </a:rPr>
-              <a:t>predicting</a:t>
-            </a:r>
-            <a:r>
-              <a:rPr sz="1300" spc="50" dirty="0">
-                <a:latin typeface="Arial MT"/>
-                <a:cs typeface="Arial MT"/>
-              </a:rPr>
-              <a:t> </a:t>
-            </a:r>
-            <a:r>
-              <a:rPr sz="1300" spc="-5" dirty="0">
-                <a:latin typeface="Arial MT"/>
-                <a:cs typeface="Arial MT"/>
-              </a:rPr>
-              <a:t>the</a:t>
-            </a:r>
-            <a:r>
-              <a:rPr sz="1300" spc="45" dirty="0">
-                <a:latin typeface="Arial MT"/>
-                <a:cs typeface="Arial MT"/>
-              </a:rPr>
-              <a:t> </a:t>
-            </a:r>
-            <a:r>
-              <a:rPr sz="1300" spc="-5" dirty="0">
-                <a:latin typeface="Arial MT"/>
-                <a:cs typeface="Arial MT"/>
-              </a:rPr>
-              <a:t>likelihood</a:t>
-            </a:r>
-            <a:r>
-              <a:rPr sz="1300" spc="45" dirty="0">
-                <a:latin typeface="Arial MT"/>
-                <a:cs typeface="Arial MT"/>
-              </a:rPr>
-              <a:t> </a:t>
-            </a:r>
-            <a:r>
-              <a:rPr sz="1300" spc="-5" dirty="0">
-                <a:latin typeface="Arial MT"/>
-                <a:cs typeface="Arial MT"/>
-              </a:rPr>
-              <a:t>of</a:t>
-            </a:r>
-            <a:r>
-              <a:rPr sz="1300" spc="50" dirty="0">
-                <a:latin typeface="Arial MT"/>
-                <a:cs typeface="Arial MT"/>
-              </a:rPr>
-              <a:t> </a:t>
-            </a:r>
-            <a:r>
-              <a:rPr sz="1300" dirty="0">
-                <a:latin typeface="Arial MT"/>
-                <a:cs typeface="Arial MT"/>
-              </a:rPr>
-              <a:t>a</a:t>
-            </a:r>
-            <a:r>
-              <a:rPr sz="1300" spc="50" dirty="0">
-                <a:latin typeface="Arial MT"/>
-                <a:cs typeface="Arial MT"/>
-              </a:rPr>
-              <a:t> </a:t>
-            </a:r>
-            <a:r>
-              <a:rPr sz="1300" dirty="0">
-                <a:latin typeface="Arial MT"/>
-                <a:cs typeface="Arial MT"/>
-              </a:rPr>
-              <a:t>student</a:t>
-            </a:r>
-            <a:r>
-              <a:rPr sz="1300" spc="50" dirty="0">
-                <a:latin typeface="Arial MT"/>
-                <a:cs typeface="Arial MT"/>
-              </a:rPr>
-              <a:t> </a:t>
-            </a:r>
-            <a:r>
-              <a:rPr sz="1300" spc="-5" dirty="0">
-                <a:latin typeface="Arial MT"/>
-                <a:cs typeface="Arial MT"/>
-              </a:rPr>
-              <a:t>taking </a:t>
-            </a:r>
-            <a:r>
-              <a:rPr sz="1300" dirty="0">
-                <a:latin typeface="Arial MT"/>
-                <a:cs typeface="Arial MT"/>
-              </a:rPr>
-              <a:t> </a:t>
-            </a:r>
-            <a:r>
-              <a:rPr sz="1300" spc="-5" dirty="0">
-                <a:latin typeface="Arial MT"/>
-                <a:cs typeface="Arial MT"/>
-              </a:rPr>
-              <a:t>up the admission into any university based on the </a:t>
-            </a:r>
-            <a:r>
-              <a:rPr sz="1300" dirty="0">
-                <a:latin typeface="Arial MT"/>
-                <a:cs typeface="Arial MT"/>
-              </a:rPr>
-              <a:t>student </a:t>
-            </a:r>
-            <a:r>
-              <a:rPr sz="1300" spc="-5" dirty="0">
-                <a:latin typeface="Arial MT"/>
-                <a:cs typeface="Arial MT"/>
-              </a:rPr>
-              <a:t>data </a:t>
-            </a:r>
-            <a:r>
-              <a:rPr sz="1300" dirty="0">
-                <a:latin typeface="Arial MT"/>
-                <a:cs typeface="Arial MT"/>
-              </a:rPr>
-              <a:t>collected </a:t>
-            </a:r>
-            <a:r>
-              <a:rPr sz="1300" spc="-5" dirty="0">
-                <a:latin typeface="Arial MT"/>
-                <a:cs typeface="Arial MT"/>
-              </a:rPr>
-              <a:t>by any </a:t>
-            </a:r>
-            <a:r>
-              <a:rPr sz="1300" dirty="0">
-                <a:latin typeface="Arial MT"/>
-                <a:cs typeface="Arial MT"/>
-              </a:rPr>
-              <a:t>marketing </a:t>
-            </a:r>
-            <a:r>
-              <a:rPr sz="1300" spc="-20" dirty="0">
-                <a:latin typeface="Arial MT"/>
-                <a:cs typeface="Arial MT"/>
-              </a:rPr>
-              <a:t>agency, </a:t>
-            </a:r>
-            <a:r>
-              <a:rPr sz="1300" spc="-5" dirty="0">
-                <a:latin typeface="Arial MT"/>
-                <a:cs typeface="Arial MT"/>
-              </a:rPr>
-              <a:t>the </a:t>
-            </a:r>
-            <a:r>
-              <a:rPr sz="1300" dirty="0">
-                <a:latin typeface="Arial MT"/>
-                <a:cs typeface="Arial MT"/>
-              </a:rPr>
-              <a:t>combined </a:t>
-            </a:r>
-            <a:r>
-              <a:rPr sz="1300" spc="5" dirty="0">
-                <a:latin typeface="Arial MT"/>
-                <a:cs typeface="Arial MT"/>
-              </a:rPr>
-              <a:t> </a:t>
-            </a:r>
-            <a:r>
-              <a:rPr sz="1300" dirty="0">
-                <a:latin typeface="Arial MT"/>
-                <a:cs typeface="Arial MT"/>
-              </a:rPr>
-              <a:t>models </a:t>
-            </a:r>
-            <a:r>
-              <a:rPr sz="1300" spc="-5" dirty="0">
-                <a:latin typeface="Arial MT"/>
-                <a:cs typeface="Arial MT"/>
-              </a:rPr>
-              <a:t>are </a:t>
-            </a:r>
-            <a:r>
-              <a:rPr sz="1300" dirty="0">
-                <a:latin typeface="Arial MT"/>
-                <a:cs typeface="Arial MT"/>
-              </a:rPr>
-              <a:t>collectively called </a:t>
-            </a:r>
-            <a:r>
-              <a:rPr sz="1300" spc="-5" dirty="0">
-                <a:latin typeface="Arial MT"/>
-                <a:cs typeface="Arial MT"/>
-              </a:rPr>
-              <a:t>as the Admission </a:t>
-            </a:r>
-            <a:r>
-              <a:rPr sz="1300" spc="-15" dirty="0">
-                <a:latin typeface="Arial MT"/>
-                <a:cs typeface="Arial MT"/>
-              </a:rPr>
-              <a:t>Predictor. </a:t>
-            </a:r>
-            <a:r>
-              <a:rPr sz="1300" spc="-5" dirty="0">
-                <a:latin typeface="Arial MT"/>
-                <a:cs typeface="Arial MT"/>
-              </a:rPr>
-              <a:t>The administrative </a:t>
-            </a:r>
-            <a:r>
-              <a:rPr sz="1300" spc="-10" dirty="0">
-                <a:latin typeface="Arial MT"/>
-                <a:cs typeface="Arial MT"/>
-              </a:rPr>
-              <a:t>officials </a:t>
-            </a:r>
-            <a:r>
-              <a:rPr sz="1300" spc="-5" dirty="0">
-                <a:latin typeface="Arial MT"/>
-                <a:cs typeface="Arial MT"/>
-              </a:rPr>
-              <a:t>of any academic institution </a:t>
-            </a:r>
-            <a:r>
-              <a:rPr sz="1300" dirty="0">
-                <a:latin typeface="Arial MT"/>
-                <a:cs typeface="Arial MT"/>
-              </a:rPr>
-              <a:t> can </a:t>
-            </a:r>
-            <a:r>
-              <a:rPr sz="1300" spc="-5" dirty="0">
-                <a:latin typeface="Arial MT"/>
-                <a:cs typeface="Arial MT"/>
-              </a:rPr>
-              <a:t>use this </a:t>
-            </a:r>
-            <a:r>
-              <a:rPr sz="1300" dirty="0">
-                <a:latin typeface="Arial MT"/>
-                <a:cs typeface="Arial MT"/>
-              </a:rPr>
-              <a:t>kind </a:t>
-            </a:r>
-            <a:r>
-              <a:rPr sz="1300" spc="-5" dirty="0">
-                <a:latin typeface="Arial MT"/>
-                <a:cs typeface="Arial MT"/>
-              </a:rPr>
-              <a:t>of an application to explore and analyze the patterns that are </a:t>
-            </a:r>
-            <a:r>
-              <a:rPr sz="1300" spc="-10" dirty="0">
-                <a:latin typeface="Arial MT"/>
-                <a:cs typeface="Arial MT"/>
-              </a:rPr>
-              <a:t>affecting </a:t>
-            </a:r>
-            <a:r>
-              <a:rPr sz="1300" spc="-5" dirty="0">
-                <a:latin typeface="Arial MT"/>
-                <a:cs typeface="Arial MT"/>
-              </a:rPr>
-              <a:t>the </a:t>
-            </a:r>
-            <a:r>
-              <a:rPr sz="1300" dirty="0">
-                <a:latin typeface="Arial MT"/>
-                <a:cs typeface="Arial MT"/>
-              </a:rPr>
-              <a:t>student </a:t>
-            </a:r>
-            <a:r>
-              <a:rPr sz="1300" spc="-5" dirty="0">
-                <a:latin typeface="Arial MT"/>
-                <a:cs typeface="Arial MT"/>
-              </a:rPr>
-              <a:t>admission and </a:t>
-            </a:r>
-            <a:r>
-              <a:rPr sz="1300" dirty="0">
-                <a:latin typeface="Arial MT"/>
-                <a:cs typeface="Arial MT"/>
-              </a:rPr>
-              <a:t> come </a:t>
-            </a:r>
-            <a:r>
-              <a:rPr sz="1300" spc="-5" dirty="0">
-                <a:latin typeface="Arial MT"/>
-                <a:cs typeface="Arial MT"/>
-              </a:rPr>
-              <a:t>up with enhanced </a:t>
-            </a:r>
-            <a:r>
-              <a:rPr sz="1300" dirty="0">
-                <a:latin typeface="Arial MT"/>
-                <a:cs typeface="Arial MT"/>
-              </a:rPr>
-              <a:t>strategies </a:t>
-            </a:r>
-            <a:r>
-              <a:rPr sz="1300" spc="-5" dirty="0">
-                <a:latin typeface="Arial MT"/>
-                <a:cs typeface="Arial MT"/>
-              </a:rPr>
-              <a:t>to improve admission. Such an application not only plays </a:t>
-            </a:r>
-            <a:r>
-              <a:rPr sz="1300" dirty="0">
-                <a:latin typeface="Arial MT"/>
-                <a:cs typeface="Arial MT"/>
-              </a:rPr>
-              <a:t>a vital role </a:t>
-            </a:r>
-            <a:r>
-              <a:rPr sz="1300" spc="-5" dirty="0">
-                <a:latin typeface="Arial MT"/>
-                <a:cs typeface="Arial MT"/>
-              </a:rPr>
-              <a:t>in </a:t>
-            </a:r>
-            <a:r>
-              <a:rPr sz="1300" dirty="0">
-                <a:latin typeface="Arial MT"/>
-                <a:cs typeface="Arial MT"/>
-              </a:rPr>
-              <a:t> </a:t>
-            </a:r>
-            <a:r>
-              <a:rPr sz="1300" spc="-5" dirty="0">
-                <a:latin typeface="Arial MT"/>
-                <a:cs typeface="Arial MT"/>
-              </a:rPr>
-              <a:t>administration, but also help the </a:t>
-            </a:r>
-            <a:r>
-              <a:rPr sz="1300" dirty="0">
-                <a:latin typeface="Arial MT"/>
-                <a:cs typeface="Arial MT"/>
-              </a:rPr>
-              <a:t>management </a:t>
-            </a:r>
-            <a:r>
-              <a:rPr sz="1300" spc="-5" dirty="0">
-                <a:latin typeface="Arial MT"/>
-                <a:cs typeface="Arial MT"/>
-              </a:rPr>
-              <a:t>in </a:t>
-            </a:r>
-            <a:r>
-              <a:rPr sz="1300" dirty="0">
-                <a:latin typeface="Arial MT"/>
-                <a:cs typeface="Arial MT"/>
-              </a:rPr>
-              <a:t>reformulating </a:t>
-            </a:r>
-            <a:r>
-              <a:rPr sz="1300" spc="-5" dirty="0">
-                <a:latin typeface="Arial MT"/>
-                <a:cs typeface="Arial MT"/>
-              </a:rPr>
-              <a:t>the </a:t>
-            </a:r>
-            <a:r>
-              <a:rPr sz="1300" dirty="0">
-                <a:latin typeface="Arial MT"/>
-                <a:cs typeface="Arial MT"/>
-              </a:rPr>
-              <a:t>marketing criteria </a:t>
-            </a:r>
-            <a:r>
-              <a:rPr sz="1300" spc="-5" dirty="0">
-                <a:latin typeface="Arial MT"/>
-                <a:cs typeface="Arial MT"/>
-              </a:rPr>
-              <a:t>for overall development of </a:t>
-            </a:r>
-            <a:r>
-              <a:rPr sz="1300" dirty="0">
-                <a:latin typeface="Arial MT"/>
-                <a:cs typeface="Arial MT"/>
-              </a:rPr>
-              <a:t> </a:t>
-            </a:r>
-            <a:r>
-              <a:rPr sz="1300" spc="-5" dirty="0">
-                <a:latin typeface="Arial MT"/>
-                <a:cs typeface="Arial MT"/>
-              </a:rPr>
-              <a:t>academic</a:t>
-            </a:r>
-            <a:r>
-              <a:rPr sz="1300" spc="-10" dirty="0">
-                <a:latin typeface="Arial MT"/>
-                <a:cs typeface="Arial MT"/>
-              </a:rPr>
-              <a:t> </a:t>
-            </a:r>
-            <a:r>
-              <a:rPr sz="1300" spc="-5" dirty="0">
-                <a:latin typeface="Arial MT"/>
-                <a:cs typeface="Arial MT"/>
-              </a:rPr>
-              <a:t>institution.</a:t>
             </a:r>
             <a:endParaRPr sz="1300">
               <a:latin typeface="Arial MT"/>
@@ -14577,8 +11774,8 @@
         </p:nvSpPr>
         <p:spPr>
           <a:xfrm>
-            <a:off x="1295400" y="348398"/>
-            <a:ext cx="6858000" cy="723275"/>
+            <a:off x="838200" y="348398"/>
+            <a:ext cx="7543800" cy="723275"/>
           </a:xfrm>
           <a:prstGeom prst="rect">
             <a:avLst/>
@@ -14621,8 +11818,8 @@
         </p:nvSpPr>
         <p:spPr>
           <a:xfrm>
-            <a:off x="384725" y="1218896"/>
-            <a:ext cx="8365490" cy="3263900"/>
+            <a:off x="384725" y="950471"/>
+            <a:ext cx="8364855" cy="3719829"/>
           </a:xfrm>
           <a:prstGeom prst="rect">
             <a:avLst/>
@@ -14647,31 +11844,24 @@
                 <a:latin typeface="Arial MT"/>
                 <a:cs typeface="Arial MT"/>
               </a:rPr>
-              <a:t>Name</a:t>
-            </a:r>
-            <a:r>
-              <a:rPr sz="1300" dirty="0">
-                <a:latin typeface="Arial MT"/>
-                <a:cs typeface="Arial MT"/>
-              </a:rPr>
-              <a:t>:</a:t>
-            </a:r>
-            <a:r>
-              <a:rPr sz="1300" spc="-5" dirty="0">
-                <a:latin typeface="Arial MT"/>
-                <a:cs typeface="Arial MT"/>
-              </a:rPr>
-              <a:t> Graduat</a:t>
-            </a:r>
-            <a:r>
-              <a:rPr sz="1300" dirty="0">
-                <a:latin typeface="Arial MT"/>
-                <a:cs typeface="Arial MT"/>
-              </a:rPr>
-              <a:t>e</a:t>
-            </a:r>
-            <a:r>
-              <a:rPr sz="1300" spc="-75" dirty="0">
+              <a:t>Name:</a:t>
+            </a:r>
+            <a:r>
+              <a:rPr sz="1300" spc="-15" dirty="0">
+                <a:latin typeface="Arial MT"/>
+                <a:cs typeface="Arial MT"/>
+              </a:rPr>
+              <a:t> </a:t>
+            </a:r>
+            <a:r>
+              <a:rPr sz="1300" spc="-5" dirty="0">
+                <a:latin typeface="Arial MT"/>
+                <a:cs typeface="Arial MT"/>
+              </a:rPr>
+              <a:t>College</a:t>
+            </a:r>
+            <a:r>
+              <a:rPr sz="1300" spc="-80" dirty="0">
                 <a:latin typeface="Arial MT"/>
                 <a:cs typeface="Arial MT"/>
               </a:rPr>
@@ -14685,121 +11875,89 @@
               <a:t>Admission</a:t>
             </a:r>
             <a:r>
-              <a:rPr sz="1300" dirty="0">
-                <a:latin typeface="Arial MT"/>
-                <a:cs typeface="Arial MT"/>
-              </a:rPr>
-              <a:t>s</a:t>
-            </a:r>
-            <a:r>
-              <a:rPr sz="1300" spc="-5" dirty="0">
-                <a:latin typeface="Arial MT"/>
-                <a:cs typeface="Arial MT"/>
-              </a:rPr>
-              <a:t> Practices</a:t>
-            </a:r>
-            <a:r>
-              <a:rPr sz="1300" dirty="0">
-                <a:latin typeface="Arial MT"/>
-                <a:cs typeface="Arial MT"/>
-              </a:rPr>
-              <a:t>:</a:t>
-            </a:r>
-            <a:r>
-              <a:rPr sz="1300" spc="-80" dirty="0">
-                <a:latin typeface="Arial MT"/>
-                <a:cs typeface="Arial MT"/>
-              </a:rPr>
-              <a:t> </a:t>
-            </a:r>
-            <a:r>
-              <a:rPr sz="1300" dirty="0">
-                <a:latin typeface="Arial MT"/>
-                <a:cs typeface="Arial MT"/>
-              </a:rPr>
-              <a:t>A</a:t>
-            </a:r>
-            <a:r>
-              <a:rPr sz="1300" spc="-100" dirty="0">
-                <a:latin typeface="Arial MT"/>
-                <a:cs typeface="Arial MT"/>
-              </a:rPr>
-              <a:t> </a:t>
-            </a:r>
-            <a:r>
-              <a:rPr sz="1300" spc="-145" dirty="0">
-                <a:latin typeface="Arial MT"/>
-                <a:cs typeface="Arial MT"/>
-              </a:rPr>
-              <a:t>T</a:t>
-            </a:r>
-            <a:r>
-              <a:rPr sz="1300" spc="-5" dirty="0">
-                <a:latin typeface="Arial MT"/>
-                <a:cs typeface="Arial MT"/>
-              </a:rPr>
-              <a:t>argete</a:t>
-            </a:r>
-            <a:r>
-              <a:rPr sz="1300" dirty="0">
-                <a:latin typeface="Arial MT"/>
-                <a:cs typeface="Arial MT"/>
-              </a:rPr>
-              <a:t>d</a:t>
-            </a:r>
-            <a:r>
-              <a:rPr sz="1300" spc="-5" dirty="0">
-                <a:latin typeface="Arial MT"/>
-                <a:cs typeface="Arial MT"/>
-              </a:rPr>
-              <a:t> Revie</a:t>
-            </a:r>
-            <a:r>
-              <a:rPr sz="1300" dirty="0">
-                <a:latin typeface="Arial MT"/>
-                <a:cs typeface="Arial MT"/>
-              </a:rPr>
-              <a:t>w</a:t>
-            </a:r>
-            <a:r>
-              <a:rPr sz="1300" spc="-5" dirty="0">
-                <a:latin typeface="Arial MT"/>
-                <a:cs typeface="Arial MT"/>
-              </a:rPr>
-              <a:t> o</a:t>
-            </a:r>
-            <a:r>
-              <a:rPr sz="1300" dirty="0">
-                <a:latin typeface="Arial MT"/>
-                <a:cs typeface="Arial MT"/>
-              </a:rPr>
-              <a:t>f</a:t>
-            </a:r>
-            <a:r>
-              <a:rPr sz="1300" spc="-5" dirty="0">
-                <a:latin typeface="Arial MT"/>
-                <a:cs typeface="Arial MT"/>
-              </a:rPr>
-              <a:t> th</a:t>
-            </a:r>
-            <a:r>
-              <a:rPr sz="1300" dirty="0">
-                <a:latin typeface="Arial MT"/>
-                <a:cs typeface="Arial MT"/>
-              </a:rPr>
-              <a:t>e</a:t>
-            </a:r>
-            <a:r>
-              <a:rPr sz="1300" spc="-5" dirty="0">
-                <a:latin typeface="Arial MT"/>
-                <a:cs typeface="Arial MT"/>
-              </a:rPr>
-              <a:t> Literature</a:t>
-            </a:r>
-            <a:endParaRPr sz="1300">
-              <a:latin typeface="Arial MT"/>
-              <a:cs typeface="Arial MT"/>
-            </a:endParaRPr>
+              <a:rPr sz="1300" spc="-15" dirty="0">
+                <a:latin typeface="Arial MT"/>
+                <a:cs typeface="Arial MT"/>
+              </a:rPr>
+              <a:t> </a:t>
+            </a:r>
+            <a:r>
+              <a:rPr sz="1300" spc="-5" dirty="0">
+                <a:latin typeface="Arial MT"/>
+                <a:cs typeface="Arial MT"/>
+              </a:rPr>
+              <a:t>Prediction</a:t>
+            </a:r>
+            <a:r>
+              <a:rPr sz="1300" spc="-10" dirty="0">
+                <a:latin typeface="Arial MT"/>
+                <a:cs typeface="Arial MT"/>
+              </a:rPr>
+              <a:t> </a:t>
+            </a:r>
+            <a:r>
+              <a:rPr sz="1300" spc="-5" dirty="0">
+                <a:latin typeface="Arial MT"/>
+                <a:cs typeface="Arial MT"/>
+              </a:rPr>
+              <a:t>using</a:t>
+            </a:r>
+            <a:r>
+              <a:rPr sz="1300" spc="-10" dirty="0">
+                <a:latin typeface="Arial MT"/>
+                <a:cs typeface="Arial MT"/>
+              </a:rPr>
+              <a:t> </a:t>
+            </a:r>
+            <a:r>
+              <a:rPr sz="1300" spc="-5" dirty="0">
+                <a:latin typeface="Arial MT"/>
+                <a:cs typeface="Arial MT"/>
+              </a:rPr>
+              <a:t>Ensemble</a:t>
+            </a:r>
+            <a:r>
+              <a:rPr sz="1300" spc="-15" dirty="0">
+                <a:latin typeface="Arial MT"/>
+                <a:cs typeface="Arial MT"/>
+              </a:rPr>
+              <a:t> </a:t>
+            </a:r>
+            <a:r>
+              <a:rPr sz="1300" dirty="0">
+                <a:latin typeface="Arial MT"/>
+                <a:cs typeface="Arial MT"/>
+              </a:rPr>
+              <a:t>Machine</a:t>
+            </a:r>
+            <a:r>
+              <a:rPr sz="1300" spc="-10" dirty="0">
+                <a:latin typeface="Arial MT"/>
+                <a:cs typeface="Arial MT"/>
+              </a:rPr>
+              <a:t> </a:t>
+            </a:r>
+            <a:r>
+              <a:rPr sz="1300" spc="-5" dirty="0">
+                <a:latin typeface="Arial MT"/>
+                <a:cs typeface="Arial MT"/>
+              </a:rPr>
+              <a:t>Learning</a:t>
+            </a:r>
+            <a:r>
+              <a:rPr sz="1300" spc="-15" dirty="0">
+                <a:latin typeface="Arial MT"/>
+                <a:cs typeface="Arial MT"/>
+              </a:rPr>
+              <a:t> </a:t>
+            </a:r>
+            <a:r>
+              <a:rPr sz="1300" dirty="0">
+                <a:latin typeface="Arial MT"/>
+                <a:cs typeface="Arial MT"/>
+              </a:rPr>
+              <a:t>Models</a:t>
+            </a:r>
           </a:p>
           <a:p>
             <a:pPr>
@@ -14810,7 +11968,7 @@
                 <a:spcPts val="50"/>
               </a:spcBef>
             </a:pPr>
-            <a:endParaRPr sz="1200">
+            <a:endParaRPr sz="1200" dirty="0">
               <a:latin typeface="Arial MT"/>
               <a:cs typeface="Arial MT"/>
             </a:endParaRPr>
@@ -14843,9 +12001,9 @@
                 <a:latin typeface="Arial MT"/>
                 <a:cs typeface="Arial MT"/>
               </a:rPr>
-              <a:t>2019</a:t>
-            </a:r>
-            <a:endParaRPr sz="1300">
+              <a:t>2021</a:t>
+            </a:r>
+            <a:endParaRPr sz="1300" dirty="0">
               <a:latin typeface="Arial MT"/>
               <a:cs typeface="Arial MT"/>
             </a:endParaRPr>
@@ -14859,7 +12017,7 @@
                 <a:spcPts val="50"/>
               </a:spcBef>
             </a:pPr>
-            <a:endParaRPr sz="1200">
+            <a:endParaRPr sz="1200" dirty="0">
               <a:latin typeface="Arial MT"/>
               <a:cs typeface="Arial MT"/>
             </a:endParaRPr>
@@ -14878,7 +12036,7 @@
               <a:t>Author</a:t>
             </a:r>
             <a:r>
-              <a:rPr sz="1300" spc="-10" dirty="0">
+              <a:rPr sz="1300" spc="-20" dirty="0">
                 <a:latin typeface="Arial MT"/>
                 <a:cs typeface="Arial MT"/>
               </a:rPr>
@@ -14892,118 +12050,69 @@
               <a:t>:</a:t>
             </a:r>
             <a:r>
-              <a:rPr sz="1300" spc="-10" dirty="0">
-                <a:latin typeface="Arial MT"/>
-                <a:cs typeface="Arial MT"/>
-              </a:rPr>
-              <a:t> </a:t>
-            </a:r>
-            <a:r>
-              <a:rPr sz="1300" spc="-5" dirty="0">
-                <a:latin typeface="Arial MT"/>
-                <a:cs typeface="Arial MT"/>
-              </a:rPr>
-              <a:t>Rochelle</a:t>
-            </a:r>
-            <a:r>
-              <a:rPr sz="1300" spc="-10" dirty="0">
-                <a:latin typeface="Arial MT"/>
-                <a:cs typeface="Arial MT"/>
-              </a:rPr>
-              <a:t> </a:t>
-            </a:r>
-            <a:r>
-              <a:rPr sz="1300" spc="-5" dirty="0">
-                <a:latin typeface="Arial MT"/>
-                <a:cs typeface="Arial MT"/>
-              </a:rPr>
-              <a:t>S.</a:t>
-            </a:r>
-            <a:r>
-              <a:rPr sz="1300" spc="-10" dirty="0">
-                <a:latin typeface="Arial MT"/>
-                <a:cs typeface="Arial MT"/>
-              </a:rPr>
-              <a:t> </a:t>
-            </a:r>
-            <a:r>
-              <a:rPr sz="1300" dirty="0">
-                <a:latin typeface="Arial MT"/>
-                <a:cs typeface="Arial MT"/>
-              </a:rPr>
-              <a:t>Michel,</a:t>
-            </a:r>
-            <a:r>
-              <a:rPr sz="1300" spc="-10" dirty="0">
-                <a:latin typeface="Arial MT"/>
-                <a:cs typeface="Arial MT"/>
-              </a:rPr>
-              <a:t> Vinetha,</a:t>
-            </a:r>
-            <a:r>
-              <a:rPr sz="1300" spc="-5" dirty="0">
-                <a:latin typeface="Arial MT"/>
-                <a:cs typeface="Arial MT"/>
-              </a:rPr>
-              <a:t> Bobby</a:t>
-            </a:r>
-            <a:r>
-              <a:rPr sz="1300" spc="-10" dirty="0">
-                <a:latin typeface="Arial MT"/>
-                <a:cs typeface="Arial MT"/>
-              </a:rPr>
-              <a:t> </a:t>
-            </a:r>
-            <a:r>
-              <a:rPr sz="1300" spc="-5" dirty="0">
-                <a:latin typeface="Arial MT"/>
-                <a:cs typeface="Arial MT"/>
-              </a:rPr>
-              <a:t>Namemi,</a:t>
-            </a:r>
-            <a:r>
-              <a:rPr sz="1300" spc="-10" dirty="0">
-                <a:latin typeface="Arial MT"/>
-                <a:cs typeface="Arial MT"/>
-              </a:rPr>
-              <a:t> </a:t>
-            </a:r>
-            <a:r>
-              <a:rPr sz="1300" spc="-5" dirty="0">
-                <a:latin typeface="Arial MT"/>
-                <a:cs typeface="Arial MT"/>
-              </a:rPr>
-              <a:t>Harrison</a:t>
-            </a:r>
-            <a:r>
-              <a:rPr sz="1300" spc="-10" dirty="0">
-                <a:latin typeface="Arial MT"/>
-                <a:cs typeface="Arial MT"/>
-              </a:rPr>
-              <a:t> </a:t>
-            </a:r>
-            <a:r>
-              <a:rPr sz="1300" dirty="0">
-                <a:latin typeface="Arial MT"/>
-                <a:cs typeface="Arial MT"/>
-              </a:rPr>
-              <a:t>J.</a:t>
-            </a:r>
-            <a:r>
-              <a:rPr sz="1300" spc="-10" dirty="0">
-                <a:latin typeface="Arial MT"/>
-                <a:cs typeface="Arial MT"/>
-              </a:rPr>
-              <a:t> </a:t>
-            </a:r>
-            <a:r>
-              <a:rPr sz="1300" dirty="0">
-                <a:latin typeface="Arial MT"/>
-                <a:cs typeface="Arial MT"/>
-              </a:rPr>
-              <a:t>kell</a:t>
-            </a:r>
-            <a:endParaRPr sz="1300">
+              <a:rPr sz="1300" spc="-15" dirty="0">
+                <a:latin typeface="Arial MT"/>
+                <a:cs typeface="Arial MT"/>
+              </a:rPr>
+              <a:t> </a:t>
+            </a:r>
+            <a:r>
+              <a:rPr sz="1300" spc="-20" dirty="0">
+                <a:latin typeface="Arial MT"/>
+                <a:cs typeface="Arial MT"/>
+              </a:rPr>
+              <a:t>Vandit </a:t>
+            </a:r>
+            <a:r>
+              <a:rPr sz="1300" dirty="0">
+                <a:latin typeface="Arial MT"/>
+                <a:cs typeface="Arial MT"/>
+              </a:rPr>
+              <a:t>Manish</a:t>
+            </a:r>
+            <a:r>
+              <a:rPr sz="1300" spc="-15" dirty="0">
+                <a:latin typeface="Arial MT"/>
+                <a:cs typeface="Arial MT"/>
+              </a:rPr>
+              <a:t> </a:t>
+            </a:r>
+            <a:r>
+              <a:rPr sz="1300" dirty="0">
+                <a:latin typeface="Arial MT"/>
+                <a:cs typeface="Arial MT"/>
+              </a:rPr>
+              <a:t>Jain,</a:t>
+            </a:r>
+            <a:r>
+              <a:rPr sz="1300" spc="-20" dirty="0">
+                <a:latin typeface="Arial MT"/>
+                <a:cs typeface="Arial MT"/>
+              </a:rPr>
+              <a:t> </a:t>
+            </a:r>
+            <a:r>
+              <a:rPr sz="1300" spc="-5" dirty="0">
+                <a:latin typeface="Arial MT"/>
+                <a:cs typeface="Arial MT"/>
+              </a:rPr>
+              <a:t>Rihaan</a:t>
+            </a:r>
+            <a:r>
+              <a:rPr sz="1300" spc="-15" dirty="0">
+                <a:latin typeface="Arial MT"/>
+                <a:cs typeface="Arial MT"/>
+              </a:rPr>
+              <a:t> </a:t>
+            </a:r>
+            <a:r>
+              <a:rPr sz="1300" spc="-5" dirty="0">
+                <a:latin typeface="Arial MT"/>
+                <a:cs typeface="Arial MT"/>
+              </a:rPr>
+              <a:t>Satia</a:t>
+            </a:r>
+            <a:endParaRPr sz="1300" dirty="0">
               <a:latin typeface="Arial MT"/>
               <a:cs typeface="Arial MT"/>
             </a:endParaRPr>
@@ -15022,45 +12131,192 @@
                 <a:latin typeface="Arial MT"/>
                 <a:cs typeface="Arial MT"/>
               </a:rPr>
-              <a:t>About:</a:t>
-            </a:r>
-            <a:r>
-              <a:rPr sz="1300" dirty="0">
-                <a:latin typeface="Arial MT"/>
-                <a:cs typeface="Arial MT"/>
-              </a:rPr>
-              <a:t> </a:t>
-            </a:r>
-            <a:r>
-              <a:rPr sz="1300" spc="-5" dirty="0">
-                <a:latin typeface="Arial MT"/>
-                <a:cs typeface="Arial MT"/>
-              </a:rPr>
-              <a:t>This</a:t>
-            </a:r>
-            <a:r>
-              <a:rPr sz="1300" dirty="0">
-                <a:latin typeface="Arial MT"/>
-                <a:cs typeface="Arial MT"/>
-              </a:rPr>
-              <a:t> review</a:t>
-            </a:r>
-            <a:r>
-              <a:rPr sz="1300" spc="5" dirty="0">
-                <a:latin typeface="Arial MT"/>
-                <a:cs typeface="Arial MT"/>
-              </a:rPr>
-              <a:t> </a:t>
-            </a:r>
-            <a:r>
-              <a:rPr sz="1300" spc="-5" dirty="0">
-                <a:latin typeface="Arial MT"/>
-                <a:cs typeface="Arial MT"/>
-              </a:rPr>
-              <a:t>of</a:t>
-            </a:r>
-            <a:r>
-              <a:rPr sz="1300" dirty="0">
+              <a:t>About: This paper aims to build </a:t>
+            </a:r>
+            <a:r>
+              <a:rPr sz="1300" dirty="0">
+                <a:latin typeface="Arial MT"/>
+                <a:cs typeface="Arial MT"/>
+              </a:rPr>
+              <a:t>a model </a:t>
+            </a:r>
+            <a:r>
+              <a:rPr sz="1300" spc="-5" dirty="0">
+                <a:latin typeface="Arial MT"/>
+                <a:cs typeface="Arial MT"/>
+              </a:rPr>
+              <a:t>that </a:t>
+            </a:r>
+            <a:r>
+              <a:rPr sz="1300" dirty="0">
+                <a:latin typeface="Arial MT"/>
+                <a:cs typeface="Arial MT"/>
+              </a:rPr>
+              <a:t>can </a:t>
+            </a:r>
+            <a:r>
+              <a:rPr sz="1300" spc="-5" dirty="0">
+                <a:latin typeface="Arial MT"/>
+                <a:cs typeface="Arial MT"/>
+              </a:rPr>
+              <a:t>help </a:t>
+            </a:r>
+            <a:r>
+              <a:rPr sz="1300" dirty="0">
+                <a:latin typeface="Arial MT"/>
+                <a:cs typeface="Arial MT"/>
+              </a:rPr>
+              <a:t>students </a:t>
+            </a:r>
+            <a:r>
+              <a:rPr sz="1300" spc="-5" dirty="0">
+                <a:latin typeface="Arial MT"/>
+                <a:cs typeface="Arial MT"/>
+              </a:rPr>
+              <a:t>to pick the </a:t>
+            </a:r>
+            <a:r>
+              <a:rPr sz="1300" dirty="0">
+                <a:latin typeface="Arial MT"/>
+                <a:cs typeface="Arial MT"/>
+              </a:rPr>
+              <a:t>right </a:t>
+            </a:r>
+            <a:r>
+              <a:rPr sz="1300" spc="-5" dirty="0">
+                <a:latin typeface="Arial MT"/>
+                <a:cs typeface="Arial MT"/>
+              </a:rPr>
+              <a:t>universities based on their profiles. </a:t>
+            </a:r>
+            <a:r>
+              <a:rPr sz="1300" dirty="0">
+                <a:latin typeface="Arial MT"/>
+                <a:cs typeface="Arial MT"/>
+              </a:rPr>
+              <a:t> </a:t>
+            </a:r>
+            <a:r>
+              <a:rPr sz="1300" spc="-15" dirty="0">
+                <a:latin typeface="Arial MT"/>
+                <a:cs typeface="Arial MT"/>
+              </a:rPr>
+              <a:t>We </a:t>
+            </a:r>
+            <a:r>
+              <a:rPr sz="1300" dirty="0">
+                <a:latin typeface="Arial MT"/>
+                <a:cs typeface="Arial MT"/>
+              </a:rPr>
+              <a:t>can </a:t>
+            </a:r>
+            <a:r>
+              <a:rPr sz="1300" spc="-5" dirty="0">
+                <a:latin typeface="Arial MT"/>
+                <a:cs typeface="Arial MT"/>
+              </a:rPr>
+              <a:t>judge across </a:t>
+            </a:r>
+            <a:r>
+              <a:rPr sz="1300" dirty="0">
+                <a:latin typeface="Arial MT"/>
+                <a:cs typeface="Arial MT"/>
+              </a:rPr>
+              <a:t>a </a:t>
+            </a:r>
+            <a:r>
+              <a:rPr sz="1300" spc="-5" dirty="0">
+                <a:latin typeface="Arial MT"/>
+                <a:cs typeface="Arial MT"/>
+              </a:rPr>
+              <a:t>wide </a:t>
+            </a:r>
+            <a:r>
+              <a:rPr sz="1300" dirty="0">
+                <a:latin typeface="Arial MT"/>
+                <a:cs typeface="Arial MT"/>
+              </a:rPr>
+              <a:t>variety </a:t>
+            </a:r>
+            <a:r>
+              <a:rPr sz="1300" spc="-5" dirty="0">
+                <a:latin typeface="Arial MT"/>
+                <a:cs typeface="Arial MT"/>
+              </a:rPr>
+              <a:t>of domains that includeMS </a:t>
+            </a:r>
+            <a:r>
+              <a:rPr sz="1300" dirty="0">
+                <a:latin typeface="Arial MT"/>
+                <a:cs typeface="Arial MT"/>
+              </a:rPr>
+              <a:t>(international), </a:t>
+            </a:r>
+            <a:r>
+              <a:rPr sz="1300" spc="-30" dirty="0">
+                <a:latin typeface="Arial MT"/>
+                <a:cs typeface="Arial MT"/>
+              </a:rPr>
+              <a:t>M.Tech </a:t>
+            </a:r>
+            <a:r>
+              <a:rPr sz="1300" dirty="0">
+                <a:latin typeface="Arial MT"/>
+                <a:cs typeface="Arial MT"/>
+              </a:rPr>
+              <a:t>(India) </a:t>
+            </a:r>
+            <a:r>
+              <a:rPr sz="1300" spc="-5" dirty="0">
+                <a:latin typeface="Arial MT"/>
+                <a:cs typeface="Arial MT"/>
+              </a:rPr>
+              <a:t>and </a:t>
+            </a:r>
+            <a:r>
+              <a:rPr sz="1300" dirty="0">
+                <a:latin typeface="Arial MT"/>
+                <a:cs typeface="Arial MT"/>
+              </a:rPr>
+              <a:t>MBA (India </a:t>
+            </a:r>
+            <a:r>
+              <a:rPr sz="1300" spc="-5" dirty="0">
+                <a:latin typeface="Arial MT"/>
+                <a:cs typeface="Arial MT"/>
+              </a:rPr>
+              <a:t>and </a:t>
+            </a:r>
+            <a:r>
+              <a:rPr sz="1300" dirty="0">
+                <a:latin typeface="Arial MT"/>
+                <a:cs typeface="Arial MT"/>
+              </a:rPr>
+              <a:t> </a:t>
+            </a:r>
+            <a:r>
+              <a:rPr sz="1300" spc="-5" dirty="0">
+                <a:latin typeface="Arial MT"/>
+                <a:cs typeface="Arial MT"/>
+              </a:rPr>
+              <a:t>International).</a:t>
+            </a:r>
+            <a:r>
+              <a:rPr sz="1300" spc="235" dirty="0">
+                <a:latin typeface="Arial MT"/>
+                <a:cs typeface="Arial MT"/>
+              </a:rPr>
+              <a:t> </a:t>
+            </a:r>
+            <a:r>
+              <a:rPr sz="1300" spc="-5" dirty="0">
+                <a:latin typeface="Arial MT"/>
+                <a:cs typeface="Arial MT"/>
+              </a:rPr>
+              <a:t>For</a:t>
+            </a:r>
+            <a:r>
+              <a:rPr sz="1300" spc="240" dirty="0">
                 <a:latin typeface="Arial MT"/>
                 <a:cs typeface="Arial MT"/>
               </a:rPr>
@@ -15074,144 +12330,417 @@
               <a:t>the</a:t>
             </a:r>
             <a:r>
-              <a:rPr sz="1300" dirty="0">
-                <a:latin typeface="Arial MT"/>
-                <a:cs typeface="Arial MT"/>
-              </a:rPr>
-              <a:t> </a:t>
-            </a:r>
-            <a:r>
-              <a:rPr sz="1300" spc="-5" dirty="0">
-                <a:latin typeface="Arial MT"/>
-                <a:cs typeface="Arial MT"/>
-              </a:rPr>
-              <a:t>literature</a:t>
-            </a:r>
-            <a:r>
-              <a:rPr sz="1300" dirty="0">
-                <a:latin typeface="Arial MT"/>
-                <a:cs typeface="Arial MT"/>
-              </a:rPr>
-              <a:t> covers</a:t>
-            </a:r>
-            <a:r>
-              <a:rPr sz="1300" spc="5" dirty="0">
-                <a:latin typeface="Arial MT"/>
-                <a:cs typeface="Arial MT"/>
-              </a:rPr>
-              <a:t> </a:t>
-            </a:r>
-            <a:r>
-              <a:rPr sz="1300" dirty="0">
-                <a:latin typeface="Arial MT"/>
-                <a:cs typeface="Arial MT"/>
-              </a:rPr>
-              <a:t>5</a:t>
-            </a:r>
-            <a:r>
-              <a:rPr sz="1300" spc="5" dirty="0">
-                <a:latin typeface="Arial MT"/>
-                <a:cs typeface="Arial MT"/>
-              </a:rPr>
-              <a:t> </a:t>
-            </a:r>
-            <a:r>
-              <a:rPr sz="1300" dirty="0">
-                <a:latin typeface="Arial MT"/>
-                <a:cs typeface="Arial MT"/>
-              </a:rPr>
-              <a:t>major</a:t>
-            </a:r>
-            <a:r>
-              <a:rPr sz="1300" spc="5" dirty="0">
-                <a:latin typeface="Arial MT"/>
-                <a:cs typeface="Arial MT"/>
-              </a:rPr>
-              <a:t> </a:t>
-            </a:r>
-            <a:r>
-              <a:rPr sz="1300" spc="-5" dirty="0">
-                <a:latin typeface="Arial MT"/>
-                <a:cs typeface="Arial MT"/>
-              </a:rPr>
-              <a:t>areas</a:t>
-            </a:r>
-            <a:r>
-              <a:rPr sz="1300" dirty="0">
-                <a:latin typeface="Arial MT"/>
-                <a:cs typeface="Arial MT"/>
-              </a:rPr>
-              <a:t> </a:t>
-            </a:r>
-            <a:r>
-              <a:rPr sz="1300" spc="-5" dirty="0">
-                <a:latin typeface="Arial MT"/>
-                <a:cs typeface="Arial MT"/>
-              </a:rPr>
-              <a:t>within</a:t>
-            </a:r>
-            <a:r>
-              <a:rPr sz="1300" dirty="0">
-                <a:latin typeface="Arial MT"/>
-                <a:cs typeface="Arial MT"/>
-              </a:rPr>
-              <a:t> </a:t>
-            </a:r>
-            <a:r>
-              <a:rPr sz="1300" spc="-5" dirty="0">
-                <a:latin typeface="Arial MT"/>
-                <a:cs typeface="Arial MT"/>
-              </a:rPr>
-              <a:t>the</a:t>
-            </a:r>
-            <a:r>
-              <a:rPr sz="1300" dirty="0">
-                <a:latin typeface="Arial MT"/>
-                <a:cs typeface="Arial MT"/>
-              </a:rPr>
-              <a:t> </a:t>
-            </a:r>
-            <a:r>
-              <a:rPr sz="1300" spc="-5" dirty="0">
-                <a:latin typeface="Arial MT"/>
-                <a:cs typeface="Arial MT"/>
-              </a:rPr>
-              <a:t>graduate</a:t>
-            </a:r>
-            <a:r>
-              <a:rPr sz="1300" dirty="0">
-                <a:latin typeface="Arial MT"/>
-                <a:cs typeface="Arial MT"/>
-              </a:rPr>
-              <a:t> </a:t>
-            </a:r>
-            <a:r>
-              <a:rPr sz="1300" spc="-5" dirty="0">
-                <a:latin typeface="Arial MT"/>
-                <a:cs typeface="Arial MT"/>
-              </a:rPr>
-              <a:t>admissions</a:t>
-            </a:r>
-            <a:r>
-              <a:rPr sz="1300" dirty="0">
-                <a:latin typeface="Arial MT"/>
-                <a:cs typeface="Arial MT"/>
-              </a:rPr>
-              <a:t> </a:t>
-            </a:r>
-            <a:r>
-              <a:rPr sz="1300" spc="-5" dirty="0">
-                <a:latin typeface="Arial MT"/>
-                <a:cs typeface="Arial MT"/>
-              </a:rPr>
-              <a:t>process:</a:t>
-            </a:r>
-            <a:r>
-              <a:rPr sz="1300" spc="350" dirty="0">
-                <a:latin typeface="Arial MT"/>
-                <a:cs typeface="Arial MT"/>
-              </a:rPr>
-              <a:t> </a:t>
+              <a:rPr sz="1300" spc="240" dirty="0">
+                <a:latin typeface="Arial MT"/>
+                <a:cs typeface="Arial MT"/>
+              </a:rPr>
+              <a:t> </a:t>
+            </a:r>
+            <a:r>
+              <a:rPr sz="1300" spc="-5" dirty="0">
+                <a:latin typeface="Arial MT"/>
+                <a:cs typeface="Arial MT"/>
+              </a:rPr>
+              <a:t>accurate</a:t>
+            </a:r>
+            <a:r>
+              <a:rPr sz="1300" spc="245" dirty="0">
+                <a:latin typeface="Arial MT"/>
+                <a:cs typeface="Arial MT"/>
+              </a:rPr>
+              <a:t> </a:t>
+            </a:r>
+            <a:r>
+              <a:rPr sz="1300" spc="-5" dirty="0">
+                <a:latin typeface="Arial MT"/>
+                <a:cs typeface="Arial MT"/>
+              </a:rPr>
+              <a:t>predictions</a:t>
+            </a:r>
+            <a:r>
+              <a:rPr sz="1300" spc="245" dirty="0">
+                <a:latin typeface="Arial MT"/>
+                <a:cs typeface="Arial MT"/>
+              </a:rPr>
+              <a:t> </a:t>
+            </a:r>
+            <a:r>
+              <a:rPr sz="1300" spc="-5" dirty="0">
+                <a:latin typeface="Arial MT"/>
+                <a:cs typeface="Arial MT"/>
+              </a:rPr>
+              <a:t>we</a:t>
+            </a:r>
+            <a:r>
+              <a:rPr sz="1300" spc="240" dirty="0">
+                <a:latin typeface="Arial MT"/>
+                <a:cs typeface="Arial MT"/>
+              </a:rPr>
+              <a:t> </a:t>
+            </a:r>
+            <a:r>
+              <a:rPr sz="1300" spc="-5" dirty="0">
+                <a:latin typeface="Arial MT"/>
+                <a:cs typeface="Arial MT"/>
+              </a:rPr>
+              <a:t>plan</a:t>
+            </a:r>
+            <a:r>
+              <a:rPr sz="1300" spc="245" dirty="0">
+                <a:latin typeface="Arial MT"/>
+                <a:cs typeface="Arial MT"/>
+              </a:rPr>
+              <a:t> </a:t>
+            </a:r>
+            <a:r>
+              <a:rPr sz="1300" spc="-5" dirty="0">
+                <a:latin typeface="Arial MT"/>
+                <a:cs typeface="Arial MT"/>
+              </a:rPr>
+              <a:t>on</a:t>
+            </a:r>
+            <a:r>
+              <a:rPr sz="1300" spc="245" dirty="0">
+                <a:latin typeface="Arial MT"/>
+                <a:cs typeface="Arial MT"/>
+              </a:rPr>
+              <a:t> </a:t>
+            </a:r>
+            <a:r>
+              <a:rPr sz="1300" spc="-5" dirty="0">
+                <a:latin typeface="Arial MT"/>
+                <a:cs typeface="Arial MT"/>
+              </a:rPr>
+              <a:t>training</a:t>
+            </a:r>
+            <a:r>
+              <a:rPr sz="1300" spc="240" dirty="0">
+                <a:latin typeface="Arial MT"/>
+                <a:cs typeface="Arial MT"/>
+              </a:rPr>
+              <a:t> </a:t>
+            </a:r>
+            <a:r>
+              <a:rPr sz="1300" dirty="0">
+                <a:latin typeface="Arial MT"/>
+                <a:cs typeface="Arial MT"/>
+              </a:rPr>
+              <a:t>a</a:t>
+            </a:r>
+            <a:r>
+              <a:rPr sz="1300" spc="245" dirty="0">
+                <a:latin typeface="Arial MT"/>
+                <a:cs typeface="Arial MT"/>
+              </a:rPr>
+              <a:t> </a:t>
+            </a:r>
+            <a:r>
+              <a:rPr sz="1300" dirty="0">
+                <a:latin typeface="Arial MT"/>
+                <a:cs typeface="Arial MT"/>
+              </a:rPr>
+              <a:t>machine</a:t>
+            </a:r>
+            <a:r>
+              <a:rPr sz="1300" spc="240" dirty="0">
+                <a:latin typeface="Arial MT"/>
+                <a:cs typeface="Arial MT"/>
+              </a:rPr>
+              <a:t> </a:t>
+            </a:r>
+            <a:r>
+              <a:rPr sz="1300" spc="-5" dirty="0">
+                <a:latin typeface="Arial MT"/>
+                <a:cs typeface="Arial MT"/>
+              </a:rPr>
+              <a:t>learning</a:t>
+            </a:r>
+            <a:r>
+              <a:rPr sz="1300" spc="245" dirty="0">
+                <a:latin typeface="Arial MT"/>
+                <a:cs typeface="Arial MT"/>
+              </a:rPr>
+              <a:t> </a:t>
+            </a:r>
+            <a:r>
+              <a:rPr sz="1300" dirty="0">
+                <a:latin typeface="Arial MT"/>
+                <a:cs typeface="Arial MT"/>
+              </a:rPr>
+              <a:t>model</a:t>
+            </a:r>
+            <a:r>
+              <a:rPr sz="1300" spc="245" dirty="0">
+                <a:latin typeface="Arial MT"/>
+                <a:cs typeface="Arial MT"/>
+              </a:rPr>
+              <a:t> </a:t>
+            </a:r>
+            <a:r>
+              <a:rPr sz="1300" spc="-5" dirty="0">
+                <a:latin typeface="Arial MT"/>
+                <a:cs typeface="Arial MT"/>
+              </a:rPr>
+              <a:t>in</a:t>
+            </a:r>
+            <a:r>
+              <a:rPr sz="1300" spc="245" dirty="0">
+                <a:latin typeface="Arial MT"/>
+                <a:cs typeface="Arial MT"/>
+              </a:rPr>
+              <a:t> </a:t>
+            </a:r>
+            <a:r>
+              <a:rPr sz="1300" spc="-5" dirty="0">
+                <a:latin typeface="Arial MT"/>
+                <a:cs typeface="Arial MT"/>
+              </a:rPr>
+              <a:t>order</a:t>
+            </a:r>
+            <a:r>
+              <a:rPr sz="1300" spc="245" dirty="0">
+                <a:latin typeface="Arial MT"/>
+                <a:cs typeface="Arial MT"/>
+              </a:rPr>
+              <a:t> </a:t>
+            </a:r>
+            <a:r>
+              <a:rPr sz="1300" spc="-5" dirty="0">
+                <a:latin typeface="Arial MT"/>
+                <a:cs typeface="Arial MT"/>
+              </a:rPr>
+              <a:t>to</a:t>
+            </a:r>
+            <a:r>
+              <a:rPr sz="1300" spc="240" dirty="0">
+                <a:latin typeface="Arial MT"/>
+                <a:cs typeface="Arial MT"/>
+              </a:rPr>
+              <a:t> </a:t>
+            </a:r>
+            <a:r>
+              <a:rPr sz="1300" spc="-5" dirty="0">
+                <a:latin typeface="Arial MT"/>
+                <a:cs typeface="Arial MT"/>
+              </a:rPr>
+              <a:t>provide </a:t>
+            </a:r>
+            <a:r>
+              <a:rPr sz="1300" spc="-350" dirty="0">
+                <a:latin typeface="Arial MT"/>
+                <a:cs typeface="Arial MT"/>
+              </a:rPr>
+              <a:t> </a:t>
+            </a:r>
+            <a:r>
+              <a:rPr sz="1300" dirty="0">
+                <a:latin typeface="Arial MT"/>
+                <a:cs typeface="Arial MT"/>
+              </a:rPr>
+              <a:t>results. </a:t>
+            </a:r>
+            <a:r>
+              <a:rPr sz="1300" spc="-5" dirty="0">
+                <a:latin typeface="Arial MT"/>
+                <a:cs typeface="Arial MT"/>
+              </a:rPr>
+              <a:t>The dataset </a:t>
+            </a:r>
+            <a:r>
+              <a:rPr sz="1300" dirty="0">
+                <a:latin typeface="Arial MT"/>
+                <a:cs typeface="Arial MT"/>
+              </a:rPr>
+              <a:t>contains </a:t>
+            </a:r>
+            <a:r>
+              <a:rPr sz="1300" spc="-5" dirty="0">
+                <a:latin typeface="Arial MT"/>
+                <a:cs typeface="Arial MT"/>
+              </a:rPr>
+              <a:t>information on the </a:t>
+            </a:r>
+            <a:r>
+              <a:rPr sz="1300" dirty="0">
+                <a:latin typeface="Arial MT"/>
+                <a:cs typeface="Arial MT"/>
+              </a:rPr>
+              <a:t>student </a:t>
+            </a:r>
+            <a:r>
+              <a:rPr sz="1300" spc="-5" dirty="0">
+                <a:latin typeface="Arial MT"/>
+                <a:cs typeface="Arial MT"/>
+              </a:rPr>
+              <a:t>profile and the university details with </a:t>
+            </a:r>
+            <a:r>
+              <a:rPr sz="1300" dirty="0">
+                <a:latin typeface="Arial MT"/>
+                <a:cs typeface="Arial MT"/>
+              </a:rPr>
+              <a:t>a </a:t>
+            </a:r>
+            <a:r>
+              <a:rPr sz="1300" spc="-5" dirty="0">
+                <a:latin typeface="Arial MT"/>
+                <a:cs typeface="Arial MT"/>
+              </a:rPr>
+              <a:t>field detailing if the </a:t>
+            </a:r>
+            <a:r>
+              <a:rPr sz="1300" dirty="0">
+                <a:latin typeface="Arial MT"/>
+                <a:cs typeface="Arial MT"/>
+              </a:rPr>
+              <a:t> </a:t>
+            </a:r>
+            <a:r>
+              <a:rPr sz="1300" spc="-5" dirty="0">
+                <a:latin typeface="Arial MT"/>
+                <a:cs typeface="Arial MT"/>
+              </a:rPr>
+              <a:t>admission was positive or not. </a:t>
+            </a:r>
+            <a:r>
+              <a:rPr sz="1300" spc="-20" dirty="0">
+                <a:latin typeface="Arial MT"/>
+                <a:cs typeface="Arial MT"/>
+              </a:rPr>
+              <a:t>Various </a:t>
+            </a:r>
+            <a:r>
+              <a:rPr sz="1300" spc="-5" dirty="0">
+                <a:latin typeface="Arial MT"/>
+                <a:cs typeface="Arial MT"/>
+              </a:rPr>
+              <a:t>algorithms have been used i.e. Ensemble </a:t>
+            </a:r>
+            <a:r>
+              <a:rPr sz="1300" dirty="0">
+                <a:latin typeface="Arial MT"/>
+                <a:cs typeface="Arial MT"/>
+              </a:rPr>
+              <a:t>Machine </a:t>
+            </a:r>
+            <a:r>
+              <a:rPr sz="1300" spc="-5" dirty="0">
+                <a:latin typeface="Arial MT"/>
+                <a:cs typeface="Arial MT"/>
+              </a:rPr>
+              <a:t>Learning and the </a:t>
+            </a:r>
+            <a:r>
+              <a:rPr sz="1300" dirty="0">
+                <a:latin typeface="Arial MT"/>
+                <a:cs typeface="Arial MT"/>
+              </a:rPr>
+              <a:t> </a:t>
+            </a:r>
+            <a:r>
+              <a:rPr sz="1300" spc="-5" dirty="0">
+                <a:latin typeface="Arial MT"/>
+                <a:cs typeface="Arial MT"/>
+              </a:rPr>
+              <a:t>predictions have been </a:t>
+            </a:r>
+            <a:r>
+              <a:rPr sz="1300" dirty="0">
+                <a:latin typeface="Arial MT"/>
+                <a:cs typeface="Arial MT"/>
+              </a:rPr>
+              <a:t>compared </a:t>
+            </a:r>
+            <a:r>
+              <a:rPr sz="1300" spc="-5" dirty="0">
+                <a:latin typeface="Arial MT"/>
+                <a:cs typeface="Arial MT"/>
+              </a:rPr>
+              <a:t>using </a:t>
+            </a:r>
+            <a:r>
+              <a:rPr sz="1300" dirty="0">
+                <a:latin typeface="Arial MT"/>
+                <a:cs typeface="Arial MT"/>
+              </a:rPr>
+              <a:t>key </a:t>
+            </a:r>
+            <a:r>
+              <a:rPr sz="1300" spc="-5" dirty="0">
+                <a:latin typeface="Arial MT"/>
+                <a:cs typeface="Arial MT"/>
+              </a:rPr>
+              <a:t>performance indicators(KPIs). The </a:t>
+            </a:r>
+            <a:r>
+              <a:rPr sz="1300" dirty="0">
+                <a:latin typeface="Arial MT"/>
+                <a:cs typeface="Arial MT"/>
+              </a:rPr>
+              <a:t>model </a:t>
+            </a:r>
+            <a:r>
+              <a:rPr sz="1300" spc="-5" dirty="0">
+                <a:latin typeface="Arial MT"/>
+                <a:cs typeface="Arial MT"/>
+              </a:rPr>
+              <a:t>performing the best is then </a:t>
+            </a:r>
+            <a:r>
+              <a:rPr sz="1300" dirty="0">
+                <a:latin typeface="Arial MT"/>
+                <a:cs typeface="Arial MT"/>
+              </a:rPr>
+              <a:t> </a:t>
+            </a:r>
+            <a:r>
+              <a:rPr sz="1300" spc="-5" dirty="0">
+                <a:latin typeface="Arial MT"/>
+                <a:cs typeface="Arial MT"/>
+              </a:rPr>
+              <a:t>used to evaluate the dependent </a:t>
+            </a:r>
+            <a:r>
+              <a:rPr sz="1300" dirty="0">
+                <a:latin typeface="Arial MT"/>
+                <a:cs typeface="Arial MT"/>
+              </a:rPr>
+              <a:t>variable </a:t>
+            </a:r>
+            <a:r>
+              <a:rPr sz="1300" spc="-5" dirty="0">
+                <a:latin typeface="Arial MT"/>
+                <a:cs typeface="Arial MT"/>
+              </a:rPr>
+              <a:t>i.e. The </a:t>
+            </a:r>
+            <a:r>
+              <a:rPr sz="1300" dirty="0">
+                <a:latin typeface="Arial MT"/>
+                <a:cs typeface="Arial MT"/>
+              </a:rPr>
+              <a:t>chances </a:t>
+            </a:r>
+            <a:r>
+              <a:rPr sz="1300" spc="-5" dirty="0">
+                <a:latin typeface="Arial MT"/>
+                <a:cs typeface="Arial MT"/>
+              </a:rPr>
+              <a:t>of admit to </a:t>
+            </a:r>
+            <a:r>
+              <a:rPr sz="1300" dirty="0">
+                <a:latin typeface="Arial MT"/>
+                <a:cs typeface="Arial MT"/>
+              </a:rPr>
+              <a:t>a </a:t>
+            </a:r>
+            <a:r>
+              <a:rPr sz="1300" spc="-15" dirty="0">
+                <a:latin typeface="Arial MT"/>
+                <a:cs typeface="Arial MT"/>
+              </a:rPr>
+              <a:t>university. </a:t>
             </a:r>
             <a:r>
               <a:rPr sz="1300" spc="-5" dirty="0">
@@ -15225,343 +12754,84 @@
                 <a:latin typeface="Arial MT"/>
                 <a:cs typeface="Arial MT"/>
               </a:rPr>
-              <a:t> </a:t>
-            </a:r>
-            <a:r>
-              <a:rPr sz="1300" spc="-5" dirty="0">
-                <a:latin typeface="Arial MT"/>
-                <a:cs typeface="Arial MT"/>
-              </a:rPr>
-              <a:t>decentralized nature of graduate admissions. The types of </a:t>
-            </a:r>
-            <a:r>
-              <a:rPr sz="1300" dirty="0">
-                <a:latin typeface="Arial MT"/>
-                <a:cs typeface="Arial MT"/>
-              </a:rPr>
-              <a:t>materials </a:t>
-            </a:r>
-            <a:r>
-              <a:rPr sz="1300" spc="-5" dirty="0">
-                <a:latin typeface="Arial MT"/>
-                <a:cs typeface="Arial MT"/>
-              </a:rPr>
-              <a:t>that are </a:t>
-            </a:r>
-            <a:r>
-              <a:rPr sz="1300" dirty="0">
-                <a:latin typeface="Arial MT"/>
-                <a:cs typeface="Arial MT"/>
-              </a:rPr>
-              <a:t>collected </a:t>
-            </a:r>
-            <a:r>
-              <a:rPr sz="1300" spc="-5" dirty="0">
-                <a:latin typeface="Arial MT"/>
-                <a:cs typeface="Arial MT"/>
-              </a:rPr>
-              <a:t>as part of the application </a:t>
-            </a:r>
-            <a:r>
-              <a:rPr sz="1300" dirty="0">
-                <a:latin typeface="Arial MT"/>
-                <a:cs typeface="Arial MT"/>
-              </a:rPr>
-              <a:t> </a:t>
-            </a:r>
-            <a:r>
-              <a:rPr sz="1300" spc="-5" dirty="0">
-                <a:latin typeface="Arial MT"/>
-                <a:cs typeface="Arial MT"/>
-              </a:rPr>
-              <a:t>process, including </a:t>
-            </a:r>
-            <a:r>
-              <a:rPr sz="1300" dirty="0">
-                <a:latin typeface="Arial MT"/>
-                <a:cs typeface="Arial MT"/>
-              </a:rPr>
-              <a:t>standardized </a:t>
-            </a:r>
-            <a:r>
-              <a:rPr sz="1300" spc="-5" dirty="0">
-                <a:latin typeface="Arial MT"/>
-                <a:cs typeface="Arial MT"/>
-              </a:rPr>
-              <a:t>test </a:t>
-            </a:r>
-            <a:r>
-              <a:rPr sz="1300" dirty="0">
-                <a:latin typeface="Arial MT"/>
-                <a:cs typeface="Arial MT"/>
-              </a:rPr>
-              <a:t>scores </a:t>
-            </a:r>
-            <a:r>
-              <a:rPr sz="1300" spc="-5" dirty="0">
-                <a:latin typeface="Arial MT"/>
-                <a:cs typeface="Arial MT"/>
-              </a:rPr>
-              <a:t>The </a:t>
-            </a:r>
-            <a:r>
-              <a:rPr sz="1300" dirty="0">
-                <a:latin typeface="Arial MT"/>
-                <a:cs typeface="Arial MT"/>
-              </a:rPr>
-              <a:t>variety </a:t>
-            </a:r>
-            <a:r>
-              <a:rPr sz="1300" spc="-5" dirty="0">
-                <a:latin typeface="Arial MT"/>
-                <a:cs typeface="Arial MT"/>
-              </a:rPr>
-              <a:t>of admissions </a:t>
-            </a:r>
-            <a:r>
-              <a:rPr sz="1300" dirty="0">
-                <a:latin typeface="Arial MT"/>
-                <a:cs typeface="Arial MT"/>
-              </a:rPr>
-              <a:t>models </a:t>
-            </a:r>
-            <a:r>
-              <a:rPr sz="1300" spc="-5" dirty="0">
-                <a:latin typeface="Arial MT"/>
-                <a:cs typeface="Arial MT"/>
-              </a:rPr>
-              <a:t>that are used to </a:t>
-            </a:r>
-            <a:r>
-              <a:rPr sz="1300" dirty="0">
-                <a:latin typeface="Arial MT"/>
-                <a:cs typeface="Arial MT"/>
-              </a:rPr>
-              <a:t>make </a:t>
-            </a:r>
-            <a:r>
-              <a:rPr sz="1300" spc="-5" dirty="0">
-                <a:latin typeface="Arial MT"/>
-                <a:cs typeface="Arial MT"/>
-              </a:rPr>
-              <a:t>admissions </a:t>
-            </a:r>
-            <a:r>
-              <a:rPr sz="1300" dirty="0">
-                <a:latin typeface="Arial MT"/>
-                <a:cs typeface="Arial MT"/>
-              </a:rPr>
-              <a:t> </a:t>
+              <a:t>chances </a:t>
+            </a:r>
+            <a:r>
+              <a:rPr sz="1300" spc="-5" dirty="0">
+                <a:latin typeface="Arial MT"/>
+                <a:cs typeface="Arial MT"/>
+              </a:rPr>
+              <a:t>of admit </a:t>
+            </a:r>
+            <a:r>
+              <a:rPr sz="1300" dirty="0">
+                <a:latin typeface="Arial MT"/>
+                <a:cs typeface="Arial MT"/>
+              </a:rPr>
+              <a:t>variable </a:t>
+            </a:r>
+            <a:r>
+              <a:rPr sz="1300" spc="-5" dirty="0">
+                <a:latin typeface="Arial MT"/>
+                <a:cs typeface="Arial MT"/>
+              </a:rPr>
+              <a:t>is </a:t>
+            </a:r>
+            <a:r>
+              <a:rPr sz="1300" spc="-350" dirty="0">
+                <a:latin typeface="Arial MT"/>
+                <a:cs typeface="Arial MT"/>
+              </a:rPr>
+              <a:t> </a:t>
+            </a:r>
+            <a:r>
+              <a:rPr sz="1300" dirty="0">
+                <a:latin typeface="Arial MT"/>
+                <a:cs typeface="Arial MT"/>
+              </a:rPr>
+              <a:t>a</a:t>
             </a:r>
             <a:r>
               <a:rPr sz="1300" spc="-10" dirty="0">
                 <a:latin typeface="Arial MT"/>
                 <a:cs typeface="Arial MT"/>
               </a:rPr>
-              <a:t>decisions.Training</a:t>
-            </a:r>
-            <a:r>
-              <a:rPr sz="1300" spc="-5" dirty="0">
-                <a:latin typeface="Arial MT"/>
-                <a:cs typeface="Arial MT"/>
-              </a:rPr>
-              <a:t> and</a:t>
-            </a:r>
-            <a:r>
-              <a:rPr sz="1300" dirty="0">
-                <a:latin typeface="Arial MT"/>
-                <a:cs typeface="Arial MT"/>
-              </a:rPr>
-              <a:t> </a:t>
-            </a:r>
-            <a:r>
-              <a:rPr sz="1300" spc="-5" dirty="0">
-                <a:latin typeface="Arial MT"/>
-                <a:cs typeface="Arial MT"/>
-              </a:rPr>
-              <a:t>tools</a:t>
-            </a:r>
-            <a:r>
-              <a:rPr sz="1300" dirty="0">
-                <a:latin typeface="Arial MT"/>
-                <a:cs typeface="Arial MT"/>
-              </a:rPr>
-              <a:t> </a:t>
-            </a:r>
-            <a:r>
-              <a:rPr sz="1300" spc="-5" dirty="0">
-                <a:latin typeface="Arial MT"/>
-                <a:cs typeface="Arial MT"/>
-              </a:rPr>
-              <a:t>used</a:t>
-            </a:r>
-            <a:r>
-              <a:rPr sz="1300" dirty="0">
-                <a:latin typeface="Arial MT"/>
-                <a:cs typeface="Arial MT"/>
-              </a:rPr>
-              <a:t> </a:t>
-            </a:r>
-            <a:r>
-              <a:rPr sz="1300" spc="-5" dirty="0">
-                <a:latin typeface="Arial MT"/>
-                <a:cs typeface="Arial MT"/>
-              </a:rPr>
-              <a:t>by</a:t>
-            </a:r>
-            <a:r>
-              <a:rPr sz="1300" dirty="0">
-                <a:latin typeface="Arial MT"/>
-                <a:cs typeface="Arial MT"/>
-              </a:rPr>
-              <a:t> </a:t>
-            </a:r>
-            <a:r>
-              <a:rPr sz="1300" spc="-5" dirty="0">
-                <a:latin typeface="Arial MT"/>
-                <a:cs typeface="Arial MT"/>
-              </a:rPr>
-              <a:t>graduate</a:t>
-            </a:r>
-            <a:r>
-              <a:rPr sz="1300" dirty="0">
-                <a:latin typeface="Arial MT"/>
-                <a:cs typeface="Arial MT"/>
-              </a:rPr>
-              <a:t> </a:t>
-            </a:r>
-            <a:r>
-              <a:rPr sz="1300" spc="-5" dirty="0">
-                <a:latin typeface="Arial MT"/>
-                <a:cs typeface="Arial MT"/>
-              </a:rPr>
-              <a:t>admissions</a:t>
-            </a:r>
-            <a:r>
-              <a:rPr sz="1300" dirty="0">
-                <a:latin typeface="Arial MT"/>
-                <a:cs typeface="Arial MT"/>
-              </a:rPr>
-              <a:t> committees</a:t>
-            </a:r>
-            <a:r>
-              <a:rPr sz="1300" spc="5" dirty="0">
-                <a:latin typeface="Arial MT"/>
-                <a:cs typeface="Arial MT"/>
-              </a:rPr>
-              <a:t> </a:t>
-            </a:r>
-            <a:r>
-              <a:rPr sz="1300" spc="-5" dirty="0">
-                <a:latin typeface="Arial MT"/>
-                <a:cs typeface="Arial MT"/>
-              </a:rPr>
-              <a:t>to</a:t>
-            </a:r>
-            <a:r>
-              <a:rPr sz="1300" dirty="0">
-                <a:latin typeface="Arial MT"/>
-                <a:cs typeface="Arial MT"/>
-              </a:rPr>
-              <a:t> support</a:t>
-            </a:r>
-            <a:r>
-              <a:rPr sz="1300" spc="5" dirty="0">
-                <a:latin typeface="Arial MT"/>
-                <a:cs typeface="Arial MT"/>
-              </a:rPr>
-              <a:t> </a:t>
-            </a:r>
-            <a:r>
-              <a:rPr sz="1300" spc="-5" dirty="0">
-                <a:latin typeface="Arial MT"/>
-                <a:cs typeface="Arial MT"/>
-              </a:rPr>
-              <a:t>the</a:t>
-            </a:r>
-            <a:r>
-              <a:rPr sz="1300" spc="350" dirty="0">
-                <a:latin typeface="Arial MT"/>
-                <a:cs typeface="Arial MT"/>
-              </a:rPr>
-              <a:t> </a:t>
-            </a:r>
-            <a:r>
-              <a:rPr sz="1300" spc="-5" dirty="0">
-                <a:latin typeface="Arial MT"/>
-                <a:cs typeface="Arial MT"/>
-              </a:rPr>
-              <a:t>graduate</a:t>
-            </a:r>
-            <a:r>
-              <a:rPr sz="1300" spc="350" dirty="0">
-                <a:latin typeface="Arial MT"/>
-                <a:cs typeface="Arial MT"/>
-              </a:rPr>
-              <a:t> </a:t>
-            </a:r>
-            <a:r>
-              <a:rPr sz="1300" spc="-5" dirty="0">
-                <a:latin typeface="Arial MT"/>
-                <a:cs typeface="Arial MT"/>
-              </a:rPr>
-              <a:t>admissions </a:t>
-            </a:r>
-            <a:r>
-              <a:rPr sz="1300" dirty="0">
-                <a:latin typeface="Arial MT"/>
-                <a:cs typeface="Arial MT"/>
-              </a:rPr>
-              <a:t> </a:t>
-            </a:r>
-            <a:r>
-              <a:rPr sz="1300" spc="-5" dirty="0">
-                <a:latin typeface="Arial MT"/>
-                <a:cs typeface="Arial MT"/>
-              </a:rPr>
-              <a:t>process and Admitting diverse applicants. The literature </a:t>
-            </a:r>
-            <a:r>
-              <a:rPr sz="1300" dirty="0">
-                <a:latin typeface="Arial MT"/>
-                <a:cs typeface="Arial MT"/>
-              </a:rPr>
-              <a:t>review concludes </a:t>
-            </a:r>
-            <a:r>
-              <a:rPr sz="1300" spc="-5" dirty="0">
-                <a:latin typeface="Arial MT"/>
-                <a:cs typeface="Arial MT"/>
-              </a:rPr>
-              <a:t>with </a:t>
-            </a:r>
-            <a:r>
-              <a:rPr sz="1300" dirty="0">
-                <a:latin typeface="Arial MT"/>
-                <a:cs typeface="Arial MT"/>
-              </a:rPr>
-              <a:t>a </a:t>
-            </a:r>
-            <a:r>
-              <a:rPr sz="1300" spc="-5" dirty="0">
-                <a:latin typeface="Arial MT"/>
-                <a:cs typeface="Arial MT"/>
-              </a:rPr>
-              <a:t>discussion of the findings and the </a:t>
-            </a:r>
-            <a:r>
-              <a:rPr sz="1300" dirty="0">
-                <a:latin typeface="Arial MT"/>
-                <a:cs typeface="Arial MT"/>
-              </a:rPr>
-              <a:t> </a:t>
-            </a:r>
-            <a:r>
-              <a:rPr sz="1300" spc="-5" dirty="0">
-                <a:latin typeface="Arial MT"/>
-                <a:cs typeface="Arial MT"/>
-              </a:rPr>
-              <a:t>areas</a:t>
+              <a:t> </a:t>
+            </a:r>
+            <a:r>
+              <a:rPr sz="1300" dirty="0">
+                <a:latin typeface="Arial MT"/>
+                <a:cs typeface="Arial MT"/>
+              </a:rPr>
+              <a:t>variable</a:t>
+            </a:r>
+            <a:r>
+              <a:rPr sz="1300" spc="-5" dirty="0">
+                <a:latin typeface="Arial MT"/>
+                <a:cs typeface="Arial MT"/>
+              </a:rPr>
+              <a:t> </a:t>
+            </a:r>
+            <a:r>
+              <a:rPr sz="1300" dirty="0">
+                <a:latin typeface="Arial MT"/>
+                <a:cs typeface="Arial MT"/>
+              </a:rPr>
+              <a:t>ranging</a:t>
+            </a:r>
+            <a:r>
+              <a:rPr sz="1300" spc="-5" dirty="0">
+                <a:latin typeface="Arial MT"/>
+                <a:cs typeface="Arial MT"/>
+              </a:rPr>
+              <a:t> from </a:t>
+            </a:r>
+            <a:r>
+              <a:rPr sz="1300" dirty="0">
+                <a:latin typeface="Arial MT"/>
+                <a:cs typeface="Arial MT"/>
+              </a:rPr>
+              <a:t>0</a:t>
             </a:r>
             <a:r>
               <a:rPr sz="1300" spc="-10" dirty="0">
@@ -15575,22 +12845,85 @@
                 <a:latin typeface="Arial MT"/>
                 <a:cs typeface="Arial MT"/>
               </a:rPr>
-              <a:t>for future </a:t>
-            </a:r>
-            <a:r>
-              <a:rPr sz="1300" dirty="0">
-                <a:latin typeface="Arial MT"/>
-                <a:cs typeface="Arial MT"/>
-              </a:rPr>
-              <a:t>research.</a:t>
-            </a:r>
-            <a:endParaRPr sz="1300">
+              <a:t>to </a:t>
+            </a:r>
+            <a:r>
+              <a:rPr sz="1300" dirty="0">
+                <a:latin typeface="Arial MT"/>
+                <a:cs typeface="Arial MT"/>
+              </a:rPr>
+              <a:t>1</a:t>
+            </a:r>
+            <a:r>
+              <a:rPr sz="1300" spc="-5" dirty="0">
+                <a:latin typeface="Arial MT"/>
+                <a:cs typeface="Arial MT"/>
+              </a:rPr>
+              <a:t> which equates</a:t>
+            </a:r>
+            <a:r>
+              <a:rPr sz="1300" spc="-10" dirty="0">
+                <a:latin typeface="Arial MT"/>
+                <a:cs typeface="Arial MT"/>
+              </a:rPr>
+              <a:t> </a:t>
+            </a:r>
+            <a:r>
+              <a:rPr sz="1300" spc="-5" dirty="0">
+                <a:latin typeface="Arial MT"/>
+                <a:cs typeface="Arial MT"/>
+              </a:rPr>
+              <a:t>to the predicted probability of</a:t>
+            </a:r>
+            <a:r>
+              <a:rPr sz="1300" spc="-10" dirty="0">
+                <a:latin typeface="Arial MT"/>
+                <a:cs typeface="Arial MT"/>
+              </a:rPr>
+              <a:t> </a:t>
+            </a:r>
+            <a:r>
+              <a:rPr sz="1300" dirty="0">
+                <a:latin typeface="Arial MT"/>
+                <a:cs typeface="Arial MT"/>
+              </a:rPr>
+              <a:t>successful</a:t>
+            </a:r>
+            <a:r>
+              <a:rPr sz="1300" spc="-5" dirty="0">
+                <a:latin typeface="Arial MT"/>
+                <a:cs typeface="Arial MT"/>
+              </a:rPr>
+              <a:t> acceptance to </a:t>
+            </a:r>
+            <a:r>
+              <a:rPr sz="1300" dirty="0">
+                <a:latin typeface="Arial MT"/>
+                <a:cs typeface="Arial MT"/>
+              </a:rPr>
+              <a:t>a</a:t>
+            </a:r>
+            <a:r>
+              <a:rPr sz="1300" spc="-10" dirty="0">
+                <a:latin typeface="Arial MT"/>
+                <a:cs typeface="Arial MT"/>
+              </a:rPr>
+              <a:t> </a:t>
+            </a:r>
+            <a:r>
+              <a:rPr sz="1300" spc="-15" dirty="0">
+                <a:latin typeface="Arial MT"/>
+                <a:cs typeface="Arial MT"/>
+              </a:rPr>
+              <a:t>university.</a:t>
+            </a:r>
+            <a:endParaRPr sz="1300" dirty="0">
               <a:latin typeface="Arial MT"/>
               <a:cs typeface="Arial MT"/>
             </a:endParaRPr>
           </a:p>
           <a:p>
-            <a:pPr marL="12700" marR="7475855" algn="just">
+            <a:pPr marL="12700" marR="3768725" algn="just">
               <a:lnSpc>
                 <a:spcPct val="191900"/>
               </a:lnSpc>
@@ -15600,28 +12933,14 @@
                 <a:latin typeface="Arial MT"/>
                 <a:cs typeface="Arial MT"/>
               </a:rPr>
-              <a:t>Algorithm</a:t>
-            </a:r>
-            <a:r>
-              <a:rPr sz="1300" dirty="0">
-                <a:latin typeface="Arial MT"/>
-                <a:cs typeface="Arial MT"/>
-              </a:rPr>
-              <a:t>s</a:t>
-            </a:r>
-            <a:r>
-              <a:rPr sz="1300" spc="-5" dirty="0">
-                <a:latin typeface="Arial MT"/>
-                <a:cs typeface="Arial MT"/>
-              </a:rPr>
-              <a:t> </a:t>
-            </a:r>
-            <a:r>
-              <a:rPr sz="1300" dirty="0">
-                <a:latin typeface="Arial MT"/>
-                <a:cs typeface="Arial MT"/>
-              </a:rPr>
-              <a:t>:  </a:t>
+              <a:t>Algorithms :Linear Regression,Neural Network,Random Forest </a:t>
+            </a:r>
+            <a:r>
+              <a:rPr sz="1300" spc="-350" dirty="0">
+                <a:latin typeface="Arial MT"/>
+                <a:cs typeface="Arial MT"/>
+              </a:rPr>
+              <a:t> </a:t>
             </a:r>
             <a:r>
               <a:rPr sz="1300" spc="-5" dirty="0">
@@ -15630,7 +12949,21 @@
               </a:rPr>
               <a:t>Accuracy:</a:t>
             </a:r>
-            <a:endParaRPr sz="1300">
+            <a:r>
+              <a:rPr sz="1300" spc="10" dirty="0">
+                <a:latin typeface="Arial MT"/>
+                <a:cs typeface="Arial MT"/>
+              </a:rPr>
+              <a:t> </a:t>
+            </a:r>
+            <a:r>
+              <a:rPr sz="1300" spc="-5" dirty="0">
+                <a:latin typeface="Arial MT"/>
+                <a:cs typeface="Arial MT"/>
+              </a:rPr>
+              <a:t>82.12,74.47,79.09</a:t>
+            </a:r>
+            <a:endParaRPr sz="1300" dirty="0">
               <a:latin typeface="Arial MT"/>
               <a:cs typeface="Arial MT"/>
             </a:endParaRPr>
